--- a/유레카 프로젝트 ppt.pptx
+++ b/유레카 프로젝트 ppt.pptx
@@ -2,18 +2,21 @@
 <file path=ppt/presentation.xml><?xml version="1.0" encoding="utf-8"?>
 <p:presentation xmlns:a="http://schemas.openxmlformats.org/drawingml/2006/main" xmlns:r="http://schemas.openxmlformats.org/officeDocument/2006/relationships" xmlns:p="http://schemas.openxmlformats.org/presentationml/2006/main" saveSubsetFonts="1" autoCompressPictures="0">
   <p:sldMasterIdLst>
-    <p:sldMasterId id="2147483648" r:id="rId1"/>
+    <p:sldMasterId id="2147483663" r:id="rId1"/>
   </p:sldMasterIdLst>
+  <p:notesMasterIdLst>
+    <p:notesMasterId r:id="rId3"/>
+  </p:notesMasterIdLst>
   <p:sldIdLst>
     <p:sldId id="256" r:id="rId2"/>
   </p:sldIdLst>
-  <p:notesMasterIdLst>
-    <p:notesMasterId r:id="rId3"/>
-  </p:notesMasterIdLst>
-  <p:sldSz cx="15398496" cy="21799296"/>
-  <p:notesSz cx="21799296" cy="15398496"/>
+  <p:sldSz cx="21383625" cy="30275213"/>
+  <p:notesSz cx="21799550" cy="15398750"/>
   <p:defaultTextStyle>
-    <a:lvl1pPr marL="0" algn="l" defTabSz="914400" rtl="0" eaLnBrk="1" latinLnBrk="0" hangingPunct="1">
+    <a:defPPr>
+      <a:defRPr lang="en-US"/>
+    </a:defPPr>
+    <a:lvl1pPr marL="0" algn="l" defTabSz="457200" rtl="0" eaLnBrk="1" latinLnBrk="0" hangingPunct="1">
       <a:defRPr sz="1800" kern="1200">
         <a:solidFill>
           <a:schemeClr val="tx1"/>
@@ -23,7 +26,7 @@
         <a:cs typeface="+mn-cs"/>
       </a:defRPr>
     </a:lvl1pPr>
-    <a:lvl2pPr marL="457200" algn="l" defTabSz="914400" rtl="0" eaLnBrk="1" latinLnBrk="0" hangingPunct="1">
+    <a:lvl2pPr marL="457200" algn="l" defTabSz="457200" rtl="0" eaLnBrk="1" latinLnBrk="0" hangingPunct="1">
       <a:defRPr sz="1800" kern="1200">
         <a:solidFill>
           <a:schemeClr val="tx1"/>
@@ -33,7 +36,7 @@
         <a:cs typeface="+mn-cs"/>
       </a:defRPr>
     </a:lvl2pPr>
-    <a:lvl3pPr marL="914400" algn="l" defTabSz="914400" rtl="0" eaLnBrk="1" latinLnBrk="0" hangingPunct="1">
+    <a:lvl3pPr marL="914400" algn="l" defTabSz="457200" rtl="0" eaLnBrk="1" latinLnBrk="0" hangingPunct="1">
       <a:defRPr sz="1800" kern="1200">
         <a:solidFill>
           <a:schemeClr val="tx1"/>
@@ -43,7 +46,7 @@
         <a:cs typeface="+mn-cs"/>
       </a:defRPr>
     </a:lvl3pPr>
-    <a:lvl4pPr marL="1371600" algn="l" defTabSz="914400" rtl="0" eaLnBrk="1" latinLnBrk="0" hangingPunct="1">
+    <a:lvl4pPr marL="1371600" algn="l" defTabSz="457200" rtl="0" eaLnBrk="1" latinLnBrk="0" hangingPunct="1">
       <a:defRPr sz="1800" kern="1200">
         <a:solidFill>
           <a:schemeClr val="tx1"/>
@@ -53,7 +56,7 @@
         <a:cs typeface="+mn-cs"/>
       </a:defRPr>
     </a:lvl4pPr>
-    <a:lvl5pPr marL="1828800" algn="l" defTabSz="914400" rtl="0" eaLnBrk="1" latinLnBrk="0" hangingPunct="1">
+    <a:lvl5pPr marL="1828800" algn="l" defTabSz="457200" rtl="0" eaLnBrk="1" latinLnBrk="0" hangingPunct="1">
       <a:defRPr sz="1800" kern="1200">
         <a:solidFill>
           <a:schemeClr val="tx1"/>
@@ -63,7 +66,7 @@
         <a:cs typeface="+mn-cs"/>
       </a:defRPr>
     </a:lvl5pPr>
-    <a:lvl6pPr marL="2286000" algn="l" defTabSz="914400" rtl="0" eaLnBrk="1" latinLnBrk="0" hangingPunct="1">
+    <a:lvl6pPr marL="2286000" algn="l" defTabSz="457200" rtl="0" eaLnBrk="1" latinLnBrk="0" hangingPunct="1">
       <a:defRPr sz="1800" kern="1200">
         <a:solidFill>
           <a:schemeClr val="tx1"/>
@@ -73,7 +76,7 @@
         <a:cs typeface="+mn-cs"/>
       </a:defRPr>
     </a:lvl6pPr>
-    <a:lvl7pPr marL="2743200" algn="l" defTabSz="914400" rtl="0" eaLnBrk="1" latinLnBrk="0" hangingPunct="1">
+    <a:lvl7pPr marL="2743200" algn="l" defTabSz="457200" rtl="0" eaLnBrk="1" latinLnBrk="0" hangingPunct="1">
       <a:defRPr sz="1800" kern="1200">
         <a:solidFill>
           <a:schemeClr val="tx1"/>
@@ -83,7 +86,7 @@
         <a:cs typeface="+mn-cs"/>
       </a:defRPr>
     </a:lvl7pPr>
-    <a:lvl8pPr marL="3200400" algn="l" defTabSz="914400" rtl="0" eaLnBrk="1" latinLnBrk="0" hangingPunct="1">
+    <a:lvl8pPr marL="3200400" algn="l" defTabSz="457200" rtl="0" eaLnBrk="1" latinLnBrk="0" hangingPunct="1">
       <a:defRPr sz="1800" kern="1200">
         <a:solidFill>
           <a:schemeClr val="tx1"/>
@@ -93,7 +96,7 @@
         <a:cs typeface="+mn-cs"/>
       </a:defRPr>
     </a:lvl8pPr>
-    <a:lvl9pPr marL="3657600" algn="l" defTabSz="914400" rtl="0" eaLnBrk="1" latinLnBrk="0" hangingPunct="1">
+    <a:lvl9pPr marL="3657600" algn="l" defTabSz="457200" rtl="0" eaLnBrk="1" latinLnBrk="0" hangingPunct="1">
       <a:defRPr sz="1800" kern="1200">
         <a:solidFill>
           <a:schemeClr val="tx1"/>
@@ -104,6 +107,11 @@
       </a:defRPr>
     </a:lvl9pPr>
   </p:defaultTextStyle>
+  <p:extLst>
+    <p:ext uri="{EFAFB233-063F-42B5-8137-9DF3F51BA10A}">
+      <p15:sldGuideLst xmlns:p15="http://schemas.microsoft.com/office/powerpoint/2012/main"/>
+    </p:ext>
+  </p:extLst>
 </p:presentation>
 </file>
 
@@ -129,241 +137,17 @@
           <a:chExt cx="0" cy="0"/>
         </a:xfrm>
       </p:grpSpPr>
-      <p:sp>
-        <p:nvSpPr>
-          <p:cNvPr id="2" name="Header Placeholder 1"/>
-          <p:cNvSpPr>
-            <a:spLocks noGrp="1"/>
-          </p:cNvSpPr>
-          <p:nvPr>
-            <p:ph type="hdr" sz="quarter"/>
-          </p:nvPr>
-        </p:nvSpPr>
-        <p:spPr>
-          <a:xfrm>
-            <a:off x="0" y="0"/>
-            <a:ext cx="2971800" cy="458788"/>
-          </a:xfrm>
-          <a:prstGeom prst="rect">
-            <a:avLst/>
-          </a:prstGeom>
-        </p:spPr>
-        <p:txBody>
-          <a:bodyPr vert="horz" lIns="91440" tIns="45720" rIns="91440" bIns="45720" rtlCol="0"/>
-          <a:lstStyle>
-            <a:lvl1pPr algn="l">
-              <a:defRPr sz="1200"/>
-            </a:lvl1pPr>
-          </a:lstStyle>
-          <a:p>
-            <a:endParaRPr lang="en-US"/>
-          </a:p>
-        </p:txBody>
-      </p:sp>
-      <p:sp>
-        <p:nvSpPr>
-          <p:cNvPr id="3" name="Date Placeholder 2"/>
-          <p:cNvSpPr>
-            <a:spLocks noGrp="1"/>
-          </p:cNvSpPr>
-          <p:nvPr>
-            <p:ph type="dt" idx="1"/>
-          </p:nvPr>
-        </p:nvSpPr>
-        <p:spPr>
-          <a:xfrm>
-            <a:off x="3884613" y="0"/>
-            <a:ext cx="2971800" cy="458788"/>
-          </a:xfrm>
-          <a:prstGeom prst="rect">
-            <a:avLst/>
-          </a:prstGeom>
-        </p:spPr>
-        <p:txBody>
-          <a:bodyPr vert="horz" lIns="91440" tIns="45720" rIns="91440" bIns="45720" rtlCol="0"/>
-          <a:lstStyle>
-            <a:lvl1pPr algn="r">
-              <a:defRPr sz="1200"/>
-            </a:lvl1pPr>
-          </a:lstStyle>
-          <a:p>
-            <a:fld id="{5282F153-3F37-0F45-9E97-73ACFA13230C}" type="datetimeFigureOut">
-              <a:rPr lang="en-US"/>
-              <a:t>7/23/19</a:t>
-            </a:fld>
-            <a:endParaRPr lang="en-US"/>
-          </a:p>
-        </p:txBody>
-      </p:sp>
-      <p:sp>
-        <p:nvSpPr>
-          <p:cNvPr id="4" name="Slide Image Placeholder 3"/>
-          <p:cNvSpPr>
-            <a:spLocks noGrp="1" noRot="1" noChangeAspect="1"/>
-          </p:cNvSpPr>
-          <p:nvPr>
-            <p:ph type="sldImg" idx="2"/>
-          </p:nvPr>
-        </p:nvSpPr>
-        <p:spPr>
-          <a:xfrm>
-            <a:off x="685800" y="1143000"/>
-            <a:ext cx="5486400" cy="3086100"/>
-          </a:xfrm>
-          <a:prstGeom prst="rect">
-            <a:avLst/>
-          </a:prstGeom>
-          <a:noFill/>
-          <a:ln w="12700">
-            <a:solidFill>
-              <a:prstClr val="black"/>
-            </a:solidFill>
-          </a:ln>
-        </p:spPr>
-        <p:txBody>
-          <a:bodyPr vert="horz" lIns="91440" tIns="45720" rIns="91440" bIns="45720" rtlCol="0" anchor="ctr"/>
-          <a:lstStyle/>
-          <a:p>
-            <a:endParaRPr lang="en-US"/>
-          </a:p>
-        </p:txBody>
-      </p:sp>
-      <p:sp>
-        <p:nvSpPr>
-          <p:cNvPr id="5" name="Notes Placeholder 4"/>
-          <p:cNvSpPr>
-            <a:spLocks noGrp="1"/>
-          </p:cNvSpPr>
-          <p:nvPr>
-            <p:ph type="body" sz="quarter" idx="3"/>
-          </p:nvPr>
-        </p:nvSpPr>
-        <p:spPr>
-          <a:xfrm>
-            <a:off x="685800" y="4400550"/>
-            <a:ext cx="5486400" cy="3600450"/>
-          </a:xfrm>
-          <a:prstGeom prst="rect">
-            <a:avLst/>
-          </a:prstGeom>
-        </p:spPr>
-        <p:txBody>
-          <a:bodyPr vert="horz" lIns="91440" tIns="45720" rIns="91440" bIns="45720" rtlCol="0"/>
-          <a:lstStyle/>
-          <a:p>
-            <a:pPr lvl="0"/>
-            <a:r>
-              <a:rPr lang="en-US"/>
-              <a:t>Click to edit Master text styles</a:t>
-            </a:r>
-          </a:p>
-          <a:p>
-            <a:pPr lvl="1"/>
-            <a:r>
-              <a:rPr lang="en-US"/>
-              <a:t>Second level</a:t>
-            </a:r>
-          </a:p>
-          <a:p>
-            <a:pPr lvl="2"/>
-            <a:r>
-              <a:rPr lang="en-US"/>
-              <a:t>Third level</a:t>
-            </a:r>
-          </a:p>
-          <a:p>
-            <a:pPr lvl="3"/>
-            <a:r>
-              <a:rPr lang="en-US"/>
-              <a:t>Fourth level</a:t>
-            </a:r>
-          </a:p>
-          <a:p>
-            <a:pPr lvl="4"/>
-            <a:r>
-              <a:rPr lang="en-US"/>
-              <a:t>Fifth level</a:t>
-            </a:r>
-          </a:p>
-        </p:txBody>
-      </p:sp>
-      <p:sp>
-        <p:nvSpPr>
-          <p:cNvPr id="6" name="Footer Placeholder 5"/>
-          <p:cNvSpPr>
-            <a:spLocks noGrp="1"/>
-          </p:cNvSpPr>
-          <p:nvPr>
-            <p:ph type="ftr" sz="quarter" idx="4"/>
-          </p:nvPr>
-        </p:nvSpPr>
-        <p:spPr>
-          <a:xfrm>
-            <a:off x="0" y="8685213"/>
-            <a:ext cx="2971800" cy="458787"/>
-          </a:xfrm>
-          <a:prstGeom prst="rect">
-            <a:avLst/>
-          </a:prstGeom>
-        </p:spPr>
-        <p:txBody>
-          <a:bodyPr vert="horz" lIns="91440" tIns="45720" rIns="91440" bIns="45720" rtlCol="0" anchor="b"/>
-          <a:lstStyle>
-            <a:lvl1pPr algn="l">
-              <a:defRPr sz="1200"/>
-            </a:lvl1pPr>
-          </a:lstStyle>
-          <a:p>
-            <a:endParaRPr lang="en-US"/>
-          </a:p>
-        </p:txBody>
-      </p:sp>
-      <p:sp>
-        <p:nvSpPr>
-          <p:cNvPr id="7" name="Slide Number Placeholder 6"/>
-          <p:cNvSpPr>
-            <a:spLocks noGrp="1"/>
-          </p:cNvSpPr>
-          <p:nvPr>
-            <p:ph type="sldNum" sz="quarter" idx="5"/>
-          </p:nvPr>
-        </p:nvSpPr>
-        <p:spPr>
-          <a:xfrm>
-            <a:off x="3884613" y="8685213"/>
-            <a:ext cx="2971800" cy="458787"/>
-          </a:xfrm>
-          <a:prstGeom prst="rect">
-            <a:avLst/>
-          </a:prstGeom>
-        </p:spPr>
-        <p:txBody>
-          <a:bodyPr vert="horz" lIns="91440" tIns="45720" rIns="91440" bIns="45720" rtlCol="0" anchor="b"/>
-          <a:lstStyle>
-            <a:lvl1pPr algn="r">
-              <a:defRPr sz="1200"/>
-            </a:lvl1pPr>
-          </a:lstStyle>
-          <a:p>
-            <a:fld id="{CE5E9CC1-C706-0F49-92D6-E571CC5EEA8F}" type="slidenum">
-              <a:rPr lang="en-US"/>
-              <a:t>‹#›</a:t>
-            </a:fld>
-            <a:endParaRPr lang="en-US"/>
-          </a:p>
-        </p:txBody>
-      </p:sp>
     </p:spTree>
     <p:extLst>
       <p:ext uri="{BB962C8B-B14F-4D97-AF65-F5344CB8AC3E}">
-        <p14:creationId xmlns:p14="http://schemas.microsoft.com/office/powerpoint/2010/main" val="1024086991"/>
+        <p14:creationId xmlns:p14="http://schemas.microsoft.com/office/powerpoint/2010/main" val="1046801712"/>
       </p:ext>
     </p:extLst>
   </p:cSld>
   <p:clrMap bg1="lt1" tx1="dk1" bg2="lt2" tx2="dk2" accent1="accent1" accent2="accent2" accent3="accent3" accent4="accent4" accent5="accent5" accent6="accent6" hlink="hlink" folHlink="folHlink"/>
   <p:notesStyle>
-    <a:lvl1pPr marL="0" algn="l" defTabSz="914400" rtl="0" eaLnBrk="1" latinLnBrk="0" hangingPunct="1">
-      <a:defRPr sz="1200" kern="1200">
+    <a:lvl1pPr marL="0" algn="l" defTabSz="1269740" rtl="0" eaLnBrk="1" latinLnBrk="1" hangingPunct="1">
+      <a:defRPr sz="1667" kern="1200">
         <a:solidFill>
           <a:schemeClr val="tx1"/>
         </a:solidFill>
@@ -372,8 +156,8 @@
         <a:cs typeface="+mn-cs"/>
       </a:defRPr>
     </a:lvl1pPr>
-    <a:lvl2pPr marL="457200" algn="l" defTabSz="914400" rtl="0" eaLnBrk="1" latinLnBrk="0" hangingPunct="1">
-      <a:defRPr sz="1200" kern="1200">
+    <a:lvl2pPr marL="634870" algn="l" defTabSz="1269740" rtl="0" eaLnBrk="1" latinLnBrk="1" hangingPunct="1">
+      <a:defRPr sz="1667" kern="1200">
         <a:solidFill>
           <a:schemeClr val="tx1"/>
         </a:solidFill>
@@ -382,8 +166,8 @@
         <a:cs typeface="+mn-cs"/>
       </a:defRPr>
     </a:lvl2pPr>
-    <a:lvl3pPr marL="914400" algn="l" defTabSz="914400" rtl="0" eaLnBrk="1" latinLnBrk="0" hangingPunct="1">
-      <a:defRPr sz="1200" kern="1200">
+    <a:lvl3pPr marL="1269740" algn="l" defTabSz="1269740" rtl="0" eaLnBrk="1" latinLnBrk="1" hangingPunct="1">
+      <a:defRPr sz="1667" kern="1200">
         <a:solidFill>
           <a:schemeClr val="tx1"/>
         </a:solidFill>
@@ -392,8 +176,8 @@
         <a:cs typeface="+mn-cs"/>
       </a:defRPr>
     </a:lvl3pPr>
-    <a:lvl4pPr marL="1371600" algn="l" defTabSz="914400" rtl="0" eaLnBrk="1" latinLnBrk="0" hangingPunct="1">
-      <a:defRPr sz="1200" kern="1200">
+    <a:lvl4pPr marL="1904611" algn="l" defTabSz="1269740" rtl="0" eaLnBrk="1" latinLnBrk="1" hangingPunct="1">
+      <a:defRPr sz="1667" kern="1200">
         <a:solidFill>
           <a:schemeClr val="tx1"/>
         </a:solidFill>
@@ -402,8 +186,8 @@
         <a:cs typeface="+mn-cs"/>
       </a:defRPr>
     </a:lvl4pPr>
-    <a:lvl5pPr marL="1828800" algn="l" defTabSz="914400" rtl="0" eaLnBrk="1" latinLnBrk="0" hangingPunct="1">
-      <a:defRPr sz="1200" kern="1200">
+    <a:lvl5pPr marL="2539481" algn="l" defTabSz="1269740" rtl="0" eaLnBrk="1" latinLnBrk="1" hangingPunct="1">
+      <a:defRPr sz="1667" kern="1200">
         <a:solidFill>
           <a:schemeClr val="tx1"/>
         </a:solidFill>
@@ -412,8 +196,8 @@
         <a:cs typeface="+mn-cs"/>
       </a:defRPr>
     </a:lvl5pPr>
-    <a:lvl6pPr marL="2286000" algn="l" defTabSz="914400" rtl="0" eaLnBrk="1" latinLnBrk="0" hangingPunct="1">
-      <a:defRPr sz="1200" kern="1200">
+    <a:lvl6pPr marL="3174351" algn="l" defTabSz="1269740" rtl="0" eaLnBrk="1" latinLnBrk="1" hangingPunct="1">
+      <a:defRPr sz="1667" kern="1200">
         <a:solidFill>
           <a:schemeClr val="tx1"/>
         </a:solidFill>
@@ -422,8 +206,8 @@
         <a:cs typeface="+mn-cs"/>
       </a:defRPr>
     </a:lvl6pPr>
-    <a:lvl7pPr marL="2743200" algn="l" defTabSz="914400" rtl="0" eaLnBrk="1" latinLnBrk="0" hangingPunct="1">
-      <a:defRPr sz="1200" kern="1200">
+    <a:lvl7pPr marL="3809221" algn="l" defTabSz="1269740" rtl="0" eaLnBrk="1" latinLnBrk="1" hangingPunct="1">
+      <a:defRPr sz="1667" kern="1200">
         <a:solidFill>
           <a:schemeClr val="tx1"/>
         </a:solidFill>
@@ -432,8 +216,8 @@
         <a:cs typeface="+mn-cs"/>
       </a:defRPr>
     </a:lvl7pPr>
-    <a:lvl8pPr marL="3200400" algn="l" defTabSz="914400" rtl="0" eaLnBrk="1" latinLnBrk="0" hangingPunct="1">
-      <a:defRPr sz="1200" kern="1200">
+    <a:lvl8pPr marL="4444093" algn="l" defTabSz="1269740" rtl="0" eaLnBrk="1" latinLnBrk="1" hangingPunct="1">
+      <a:defRPr sz="1667" kern="1200">
         <a:solidFill>
           <a:schemeClr val="tx1"/>
         </a:solidFill>
@@ -442,8 +226,8 @@
         <a:cs typeface="+mn-cs"/>
       </a:defRPr>
     </a:lvl8pPr>
-    <a:lvl9pPr marL="3657600" algn="l" defTabSz="914400" rtl="0" eaLnBrk="1" latinLnBrk="0" hangingPunct="1">
-      <a:defRPr sz="1200" kern="1200">
+    <a:lvl9pPr marL="5078963" algn="l" defTabSz="1269740" rtl="0" eaLnBrk="1" latinLnBrk="1" hangingPunct="1">
+      <a:defRPr sz="1667" kern="1200">
         <a:solidFill>
           <a:schemeClr val="tx1"/>
         </a:solidFill>
@@ -500,10 +284,6 @@
           <a:bodyPr/>
           <a:lstStyle/>
           <a:p>
-            <a:r>
-              <a:rPr lang="en-US" dirty="0"/>
-              <a:t/>
-            </a:r>
             <a:endParaRPr lang="en-US" dirty="0"/>
           </a:p>
         </p:txBody>
@@ -545,7 +325,552 @@
 </file>
 
 <file path=ppt/slideLayouts/slideLayout1.xml><?xml version="1.0" encoding="utf-8"?>
-<p:sldLayout xmlns:a="http://schemas.openxmlformats.org/drawingml/2006/main" xmlns:r="http://schemas.openxmlformats.org/officeDocument/2006/relationships" xmlns:p="http://schemas.openxmlformats.org/presentationml/2006/main" preserve="1">
+<p:sldLayout xmlns:a="http://schemas.openxmlformats.org/drawingml/2006/main" xmlns:r="http://schemas.openxmlformats.org/officeDocument/2006/relationships" xmlns:p="http://schemas.openxmlformats.org/presentationml/2006/main" type="title" preserve="1">
+  <p:cSld name="제목 슬라이드">
+    <p:spTree>
+      <p:nvGrpSpPr>
+        <p:cNvPr id="1" name=""/>
+        <p:cNvGrpSpPr/>
+        <p:nvPr/>
+      </p:nvGrpSpPr>
+      <p:grpSpPr>
+        <a:xfrm>
+          <a:off x="0" y="0"/>
+          <a:ext cx="0" cy="0"/>
+          <a:chOff x="0" y="0"/>
+          <a:chExt cx="0" cy="0"/>
+        </a:xfrm>
+      </p:grpSpPr>
+      <p:sp>
+        <p:nvSpPr>
+          <p:cNvPr id="2" name="Title 1"/>
+          <p:cNvSpPr>
+            <a:spLocks noGrp="1"/>
+          </p:cNvSpPr>
+          <p:nvPr>
+            <p:ph type="ctrTitle"/>
+          </p:nvPr>
+        </p:nvSpPr>
+        <p:spPr>
+          <a:xfrm>
+            <a:off x="1603772" y="4954765"/>
+            <a:ext cx="18176081" cy="10540259"/>
+          </a:xfrm>
+        </p:spPr>
+        <p:txBody>
+          <a:bodyPr anchor="b"/>
+          <a:lstStyle>
+            <a:lvl1pPr algn="ctr">
+              <a:defRPr sz="14031"/>
+            </a:lvl1pPr>
+          </a:lstStyle>
+          <a:p>
+            <a:r>
+              <a:rPr lang="ko-KR" altLang="en-US"/>
+              <a:t>마스터 제목 스타일 편집</a:t>
+            </a:r>
+            <a:endParaRPr lang="en-US" dirty="0"/>
+          </a:p>
+        </p:txBody>
+      </p:sp>
+      <p:sp>
+        <p:nvSpPr>
+          <p:cNvPr id="3" name="Subtitle 2"/>
+          <p:cNvSpPr>
+            <a:spLocks noGrp="1"/>
+          </p:cNvSpPr>
+          <p:nvPr>
+            <p:ph type="subTitle" idx="1"/>
+          </p:nvPr>
+        </p:nvSpPr>
+        <p:spPr>
+          <a:xfrm>
+            <a:off x="2672953" y="15901497"/>
+            <a:ext cx="16037719" cy="7309499"/>
+          </a:xfrm>
+        </p:spPr>
+        <p:txBody>
+          <a:bodyPr/>
+          <a:lstStyle>
+            <a:lvl1pPr marL="0" indent="0" algn="ctr">
+              <a:buNone/>
+              <a:defRPr sz="5612"/>
+            </a:lvl1pPr>
+            <a:lvl2pPr marL="1069162" indent="0" algn="ctr">
+              <a:buNone/>
+              <a:defRPr sz="4677"/>
+            </a:lvl2pPr>
+            <a:lvl3pPr marL="2138324" indent="0" algn="ctr">
+              <a:buNone/>
+              <a:defRPr sz="4209"/>
+            </a:lvl3pPr>
+            <a:lvl4pPr marL="3207487" indent="0" algn="ctr">
+              <a:buNone/>
+              <a:defRPr sz="3742"/>
+            </a:lvl4pPr>
+            <a:lvl5pPr marL="4276649" indent="0" algn="ctr">
+              <a:buNone/>
+              <a:defRPr sz="3742"/>
+            </a:lvl5pPr>
+            <a:lvl6pPr marL="5345811" indent="0" algn="ctr">
+              <a:buNone/>
+              <a:defRPr sz="3742"/>
+            </a:lvl6pPr>
+            <a:lvl7pPr marL="6414973" indent="0" algn="ctr">
+              <a:buNone/>
+              <a:defRPr sz="3742"/>
+            </a:lvl7pPr>
+            <a:lvl8pPr marL="7484135" indent="0" algn="ctr">
+              <a:buNone/>
+              <a:defRPr sz="3742"/>
+            </a:lvl8pPr>
+            <a:lvl9pPr marL="8553298" indent="0" algn="ctr">
+              <a:buNone/>
+              <a:defRPr sz="3742"/>
+            </a:lvl9pPr>
+          </a:lstStyle>
+          <a:p>
+            <a:r>
+              <a:rPr lang="ko-KR" altLang="en-US"/>
+              <a:t>클릭하여 마스터 부제목 스타일 편집</a:t>
+            </a:r>
+            <a:endParaRPr lang="en-US" dirty="0"/>
+          </a:p>
+        </p:txBody>
+      </p:sp>
+      <p:sp>
+        <p:nvSpPr>
+          <p:cNvPr id="4" name="Date Placeholder 3"/>
+          <p:cNvSpPr>
+            <a:spLocks noGrp="1"/>
+          </p:cNvSpPr>
+          <p:nvPr>
+            <p:ph type="dt" sz="half" idx="10"/>
+          </p:nvPr>
+        </p:nvSpPr>
+        <p:spPr/>
+        <p:txBody>
+          <a:bodyPr/>
+          <a:lstStyle/>
+          <a:p>
+            <a:fld id="{C764DE79-268F-4C1A-8933-263129D2AF90}" type="datetimeFigureOut">
+              <a:rPr lang="en-US" smtClean="0"/>
+              <a:t>10/31/2025</a:t>
+            </a:fld>
+            <a:endParaRPr lang="en-US" dirty="0"/>
+          </a:p>
+        </p:txBody>
+      </p:sp>
+      <p:sp>
+        <p:nvSpPr>
+          <p:cNvPr id="5" name="Footer Placeholder 4"/>
+          <p:cNvSpPr>
+            <a:spLocks noGrp="1"/>
+          </p:cNvSpPr>
+          <p:nvPr>
+            <p:ph type="ftr" sz="quarter" idx="11"/>
+          </p:nvPr>
+        </p:nvSpPr>
+        <p:spPr/>
+        <p:txBody>
+          <a:bodyPr/>
+          <a:lstStyle/>
+          <a:p>
+            <a:endParaRPr lang="en-US" dirty="0"/>
+          </a:p>
+        </p:txBody>
+      </p:sp>
+      <p:sp>
+        <p:nvSpPr>
+          <p:cNvPr id="6" name="Slide Number Placeholder 5"/>
+          <p:cNvSpPr>
+            <a:spLocks noGrp="1"/>
+          </p:cNvSpPr>
+          <p:nvPr>
+            <p:ph type="sldNum" sz="quarter" idx="12"/>
+          </p:nvPr>
+        </p:nvSpPr>
+        <p:spPr/>
+        <p:txBody>
+          <a:bodyPr/>
+          <a:lstStyle/>
+          <a:p>
+            <a:fld id="{48F63A3B-78C7-47BE-AE5E-E10140E04643}" type="slidenum">
+              <a:rPr lang="en-US" smtClean="0"/>
+              <a:t>‹#›</a:t>
+            </a:fld>
+            <a:endParaRPr lang="en-US" dirty="0"/>
+          </a:p>
+        </p:txBody>
+      </p:sp>
+    </p:spTree>
+    <p:extLst>
+      <p:ext uri="{BB962C8B-B14F-4D97-AF65-F5344CB8AC3E}">
+        <p14:creationId xmlns:p14="http://schemas.microsoft.com/office/powerpoint/2010/main" val="908966243"/>
+      </p:ext>
+    </p:extLst>
+  </p:cSld>
+  <p:clrMapOvr>
+    <a:masterClrMapping/>
+  </p:clrMapOvr>
+  <p:hf sldNum="0" hdr="0" ftr="0" dt="0"/>
+</p:sldLayout>
+</file>
+
+<file path=ppt/slideLayouts/slideLayout10.xml><?xml version="1.0" encoding="utf-8"?>
+<p:sldLayout xmlns:a="http://schemas.openxmlformats.org/drawingml/2006/main" xmlns:r="http://schemas.openxmlformats.org/officeDocument/2006/relationships" xmlns:p="http://schemas.openxmlformats.org/presentationml/2006/main" type="vertTx" preserve="1">
+  <p:cSld name="제목 및 세로 텍스트">
+    <p:spTree>
+      <p:nvGrpSpPr>
+        <p:cNvPr id="1" name=""/>
+        <p:cNvGrpSpPr/>
+        <p:nvPr/>
+      </p:nvGrpSpPr>
+      <p:grpSpPr>
+        <a:xfrm>
+          <a:off x="0" y="0"/>
+          <a:ext cx="0" cy="0"/>
+          <a:chOff x="0" y="0"/>
+          <a:chExt cx="0" cy="0"/>
+        </a:xfrm>
+      </p:grpSpPr>
+      <p:sp>
+        <p:nvSpPr>
+          <p:cNvPr id="2" name="Title 1"/>
+          <p:cNvSpPr>
+            <a:spLocks noGrp="1"/>
+          </p:cNvSpPr>
+          <p:nvPr>
+            <p:ph type="title"/>
+          </p:nvPr>
+        </p:nvSpPr>
+        <p:spPr/>
+        <p:txBody>
+          <a:bodyPr/>
+          <a:lstStyle/>
+          <a:p>
+            <a:r>
+              <a:rPr lang="ko-KR" altLang="en-US"/>
+              <a:t>마스터 제목 스타일 편집</a:t>
+            </a:r>
+            <a:endParaRPr lang="en-US" dirty="0"/>
+          </a:p>
+        </p:txBody>
+      </p:sp>
+      <p:sp>
+        <p:nvSpPr>
+          <p:cNvPr id="3" name="Vertical Text Placeholder 2"/>
+          <p:cNvSpPr>
+            <a:spLocks noGrp="1"/>
+          </p:cNvSpPr>
+          <p:nvPr>
+            <p:ph type="body" orient="vert" idx="1"/>
+          </p:nvPr>
+        </p:nvSpPr>
+        <p:spPr/>
+        <p:txBody>
+          <a:bodyPr vert="eaVert"/>
+          <a:lstStyle/>
+          <a:p>
+            <a:pPr lvl="0"/>
+            <a:r>
+              <a:rPr lang="ko-KR" altLang="en-US"/>
+              <a:t>마스터 텍스트 스타일을 편집하려면 클릭</a:t>
+            </a:r>
+          </a:p>
+          <a:p>
+            <a:pPr lvl="1"/>
+            <a:r>
+              <a:rPr lang="ko-KR" altLang="en-US"/>
+              <a:t>두 번째 수준</a:t>
+            </a:r>
+          </a:p>
+          <a:p>
+            <a:pPr lvl="2"/>
+            <a:r>
+              <a:rPr lang="ko-KR" altLang="en-US"/>
+              <a:t>세 번째 수준</a:t>
+            </a:r>
+          </a:p>
+          <a:p>
+            <a:pPr lvl="3"/>
+            <a:r>
+              <a:rPr lang="ko-KR" altLang="en-US"/>
+              <a:t>네 번째 수준</a:t>
+            </a:r>
+          </a:p>
+          <a:p>
+            <a:pPr lvl="4"/>
+            <a:r>
+              <a:rPr lang="ko-KR" altLang="en-US"/>
+              <a:t>다섯 번째 수준</a:t>
+            </a:r>
+            <a:endParaRPr lang="en-US" dirty="0"/>
+          </a:p>
+        </p:txBody>
+      </p:sp>
+      <p:sp>
+        <p:nvSpPr>
+          <p:cNvPr id="4" name="Date Placeholder 3"/>
+          <p:cNvSpPr>
+            <a:spLocks noGrp="1"/>
+          </p:cNvSpPr>
+          <p:nvPr>
+            <p:ph type="dt" sz="half" idx="10"/>
+          </p:nvPr>
+        </p:nvSpPr>
+        <p:spPr/>
+        <p:txBody>
+          <a:bodyPr/>
+          <a:lstStyle/>
+          <a:p>
+            <a:fld id="{C764DE79-268F-4C1A-8933-263129D2AF90}" type="datetimeFigureOut">
+              <a:rPr lang="en-US" smtClean="0"/>
+              <a:t>10/31/2025</a:t>
+            </a:fld>
+            <a:endParaRPr lang="en-US" dirty="0"/>
+          </a:p>
+        </p:txBody>
+      </p:sp>
+      <p:sp>
+        <p:nvSpPr>
+          <p:cNvPr id="5" name="Footer Placeholder 4"/>
+          <p:cNvSpPr>
+            <a:spLocks noGrp="1"/>
+          </p:cNvSpPr>
+          <p:nvPr>
+            <p:ph type="ftr" sz="quarter" idx="11"/>
+          </p:nvPr>
+        </p:nvSpPr>
+        <p:spPr/>
+        <p:txBody>
+          <a:bodyPr/>
+          <a:lstStyle/>
+          <a:p>
+            <a:endParaRPr lang="en-US" dirty="0"/>
+          </a:p>
+        </p:txBody>
+      </p:sp>
+      <p:sp>
+        <p:nvSpPr>
+          <p:cNvPr id="6" name="Slide Number Placeholder 5"/>
+          <p:cNvSpPr>
+            <a:spLocks noGrp="1"/>
+          </p:cNvSpPr>
+          <p:nvPr>
+            <p:ph type="sldNum" sz="quarter" idx="12"/>
+          </p:nvPr>
+        </p:nvSpPr>
+        <p:spPr/>
+        <p:txBody>
+          <a:bodyPr/>
+          <a:lstStyle/>
+          <a:p>
+            <a:fld id="{48F63A3B-78C7-47BE-AE5E-E10140E04643}" type="slidenum">
+              <a:rPr lang="en-US" smtClean="0"/>
+              <a:t>‹#›</a:t>
+            </a:fld>
+            <a:endParaRPr lang="en-US" dirty="0"/>
+          </a:p>
+        </p:txBody>
+      </p:sp>
+    </p:spTree>
+    <p:extLst>
+      <p:ext uri="{BB962C8B-B14F-4D97-AF65-F5344CB8AC3E}">
+        <p14:creationId xmlns:p14="http://schemas.microsoft.com/office/powerpoint/2010/main" val="469246883"/>
+      </p:ext>
+    </p:extLst>
+  </p:cSld>
+  <p:clrMapOvr>
+    <a:masterClrMapping/>
+  </p:clrMapOvr>
+  <p:hf sldNum="0" hdr="0" ftr="0" dt="0"/>
+</p:sldLayout>
+</file>
+
+<file path=ppt/slideLayouts/slideLayout11.xml><?xml version="1.0" encoding="utf-8"?>
+<p:sldLayout xmlns:a="http://schemas.openxmlformats.org/drawingml/2006/main" xmlns:r="http://schemas.openxmlformats.org/officeDocument/2006/relationships" xmlns:p="http://schemas.openxmlformats.org/presentationml/2006/main" type="vertTitleAndTx" preserve="1">
+  <p:cSld name="세로 제목 및 텍스트">
+    <p:spTree>
+      <p:nvGrpSpPr>
+        <p:cNvPr id="1" name=""/>
+        <p:cNvGrpSpPr/>
+        <p:nvPr/>
+      </p:nvGrpSpPr>
+      <p:grpSpPr>
+        <a:xfrm>
+          <a:off x="0" y="0"/>
+          <a:ext cx="0" cy="0"/>
+          <a:chOff x="0" y="0"/>
+          <a:chExt cx="0" cy="0"/>
+        </a:xfrm>
+      </p:grpSpPr>
+      <p:sp>
+        <p:nvSpPr>
+          <p:cNvPr id="2" name="Vertical Title 1"/>
+          <p:cNvSpPr>
+            <a:spLocks noGrp="1"/>
+          </p:cNvSpPr>
+          <p:nvPr>
+            <p:ph type="title" orient="vert"/>
+          </p:nvPr>
+        </p:nvSpPr>
+        <p:spPr>
+          <a:xfrm>
+            <a:off x="15302658" y="1611875"/>
+            <a:ext cx="4610844" cy="25656844"/>
+          </a:xfrm>
+        </p:spPr>
+        <p:txBody>
+          <a:bodyPr vert="eaVert"/>
+          <a:lstStyle/>
+          <a:p>
+            <a:r>
+              <a:rPr lang="ko-KR" altLang="en-US"/>
+              <a:t>마스터 제목 스타일 편집</a:t>
+            </a:r>
+            <a:endParaRPr lang="en-US" dirty="0"/>
+          </a:p>
+        </p:txBody>
+      </p:sp>
+      <p:sp>
+        <p:nvSpPr>
+          <p:cNvPr id="3" name="Vertical Text Placeholder 2"/>
+          <p:cNvSpPr>
+            <a:spLocks noGrp="1"/>
+          </p:cNvSpPr>
+          <p:nvPr>
+            <p:ph type="body" orient="vert" idx="1"/>
+          </p:nvPr>
+        </p:nvSpPr>
+        <p:spPr>
+          <a:xfrm>
+            <a:off x="1470125" y="1611875"/>
+            <a:ext cx="13565237" cy="25656844"/>
+          </a:xfrm>
+        </p:spPr>
+        <p:txBody>
+          <a:bodyPr vert="eaVert"/>
+          <a:lstStyle/>
+          <a:p>
+            <a:pPr lvl="0"/>
+            <a:r>
+              <a:rPr lang="ko-KR" altLang="en-US"/>
+              <a:t>마스터 텍스트 스타일을 편집하려면 클릭</a:t>
+            </a:r>
+          </a:p>
+          <a:p>
+            <a:pPr lvl="1"/>
+            <a:r>
+              <a:rPr lang="ko-KR" altLang="en-US"/>
+              <a:t>두 번째 수준</a:t>
+            </a:r>
+          </a:p>
+          <a:p>
+            <a:pPr lvl="2"/>
+            <a:r>
+              <a:rPr lang="ko-KR" altLang="en-US"/>
+              <a:t>세 번째 수준</a:t>
+            </a:r>
+          </a:p>
+          <a:p>
+            <a:pPr lvl="3"/>
+            <a:r>
+              <a:rPr lang="ko-KR" altLang="en-US"/>
+              <a:t>네 번째 수준</a:t>
+            </a:r>
+          </a:p>
+          <a:p>
+            <a:pPr lvl="4"/>
+            <a:r>
+              <a:rPr lang="ko-KR" altLang="en-US"/>
+              <a:t>다섯 번째 수준</a:t>
+            </a:r>
+            <a:endParaRPr lang="en-US" dirty="0"/>
+          </a:p>
+        </p:txBody>
+      </p:sp>
+      <p:sp>
+        <p:nvSpPr>
+          <p:cNvPr id="4" name="Date Placeholder 3"/>
+          <p:cNvSpPr>
+            <a:spLocks noGrp="1"/>
+          </p:cNvSpPr>
+          <p:nvPr>
+            <p:ph type="dt" sz="half" idx="10"/>
+          </p:nvPr>
+        </p:nvSpPr>
+        <p:spPr/>
+        <p:txBody>
+          <a:bodyPr/>
+          <a:lstStyle/>
+          <a:p>
+            <a:fld id="{C764DE79-268F-4C1A-8933-263129D2AF90}" type="datetimeFigureOut">
+              <a:rPr lang="en-US" smtClean="0"/>
+              <a:t>10/31/2025</a:t>
+            </a:fld>
+            <a:endParaRPr lang="en-US" dirty="0"/>
+          </a:p>
+        </p:txBody>
+      </p:sp>
+      <p:sp>
+        <p:nvSpPr>
+          <p:cNvPr id="5" name="Footer Placeholder 4"/>
+          <p:cNvSpPr>
+            <a:spLocks noGrp="1"/>
+          </p:cNvSpPr>
+          <p:nvPr>
+            <p:ph type="ftr" sz="quarter" idx="11"/>
+          </p:nvPr>
+        </p:nvSpPr>
+        <p:spPr/>
+        <p:txBody>
+          <a:bodyPr/>
+          <a:lstStyle/>
+          <a:p>
+            <a:endParaRPr lang="en-US" dirty="0"/>
+          </a:p>
+        </p:txBody>
+      </p:sp>
+      <p:sp>
+        <p:nvSpPr>
+          <p:cNvPr id="6" name="Slide Number Placeholder 5"/>
+          <p:cNvSpPr>
+            <a:spLocks noGrp="1"/>
+          </p:cNvSpPr>
+          <p:nvPr>
+            <p:ph type="sldNum" sz="quarter" idx="12"/>
+          </p:nvPr>
+        </p:nvSpPr>
+        <p:spPr/>
+        <p:txBody>
+          <a:bodyPr/>
+          <a:lstStyle/>
+          <a:p>
+            <a:fld id="{48F63A3B-78C7-47BE-AE5E-E10140E04643}" type="slidenum">
+              <a:rPr lang="en-US" smtClean="0"/>
+              <a:t>‹#›</a:t>
+            </a:fld>
+            <a:endParaRPr lang="en-US" dirty="0"/>
+          </a:p>
+        </p:txBody>
+      </p:sp>
+    </p:spTree>
+    <p:extLst>
+      <p:ext uri="{BB962C8B-B14F-4D97-AF65-F5344CB8AC3E}">
+        <p14:creationId xmlns:p14="http://schemas.microsoft.com/office/powerpoint/2010/main" val="2659349067"/>
+      </p:ext>
+    </p:extLst>
+  </p:cSld>
+  <p:clrMapOvr>
+    <a:masterClrMapping/>
+  </p:clrMapOvr>
+  <p:hf sldNum="0" hdr="0" ftr="0" dt="0"/>
+</p:sldLayout>
+</file>
+
+<file path=ppt/slideLayouts/slideLayout12.xml><?xml version="1.0" encoding="utf-8"?>
+<p:sldLayout xmlns:a="http://schemas.openxmlformats.org/drawingml/2006/main" xmlns:r="http://schemas.openxmlformats.org/officeDocument/2006/relationships" xmlns:p="http://schemas.openxmlformats.org/presentationml/2006/main">
   <p:cSld name="DEFAULT">
     <p:bg>
       <p:bgRef idx="1001">
@@ -567,6 +892,11 @@
         </a:xfrm>
       </p:grpSpPr>
     </p:spTree>
+    <p:extLst>
+      <p:ext uri="{BB962C8B-B14F-4D97-AF65-F5344CB8AC3E}">
+        <p14:creationId xmlns:p14="http://schemas.microsoft.com/office/powerpoint/2010/main" val="3506188009"/>
+      </p:ext>
+    </p:extLst>
   </p:cSld>
   <p:clrMapOvr>
     <a:masterClrMapping/>
@@ -574,9 +904,9 @@
 </p:sldLayout>
 </file>
 
-<file path=ppt/slideMasters/slideMaster1.xml><?xml version="1.0" encoding="utf-8"?>
-<p:sldMaster xmlns:a="http://schemas.openxmlformats.org/drawingml/2006/main" xmlns:r="http://schemas.openxmlformats.org/officeDocument/2006/relationships" xmlns:p="http://schemas.openxmlformats.org/presentationml/2006/main">
-  <p:cSld>
+<file path=ppt/slideLayouts/slideLayout2.xml><?xml version="1.0" encoding="utf-8"?>
+<p:sldLayout xmlns:a="http://schemas.openxmlformats.org/drawingml/2006/main" xmlns:r="http://schemas.openxmlformats.org/officeDocument/2006/relationships" xmlns:p="http://schemas.openxmlformats.org/presentationml/2006/main" type="obj" preserve="1">
+  <p:cSld name="제목 및 내용">
     <p:spTree>
       <p:nvGrpSpPr>
         <p:cNvPr id="1" name=""/>
@@ -591,21 +921,2027 @@
           <a:chExt cx="0" cy="0"/>
         </a:xfrm>
       </p:grpSpPr>
+      <p:sp>
+        <p:nvSpPr>
+          <p:cNvPr id="2" name="Title 1"/>
+          <p:cNvSpPr>
+            <a:spLocks noGrp="1"/>
+          </p:cNvSpPr>
+          <p:nvPr>
+            <p:ph type="title"/>
+          </p:nvPr>
+        </p:nvSpPr>
+        <p:spPr/>
+        <p:txBody>
+          <a:bodyPr/>
+          <a:lstStyle/>
+          <a:p>
+            <a:r>
+              <a:rPr lang="ko-KR" altLang="en-US"/>
+              <a:t>마스터 제목 스타일 편집</a:t>
+            </a:r>
+            <a:endParaRPr lang="en-US" dirty="0"/>
+          </a:p>
+        </p:txBody>
+      </p:sp>
+      <p:sp>
+        <p:nvSpPr>
+          <p:cNvPr id="3" name="Content Placeholder 2"/>
+          <p:cNvSpPr>
+            <a:spLocks noGrp="1"/>
+          </p:cNvSpPr>
+          <p:nvPr>
+            <p:ph idx="1"/>
+          </p:nvPr>
+        </p:nvSpPr>
+        <p:spPr/>
+        <p:txBody>
+          <a:bodyPr/>
+          <a:lstStyle/>
+          <a:p>
+            <a:pPr lvl="0"/>
+            <a:r>
+              <a:rPr lang="ko-KR" altLang="en-US"/>
+              <a:t>마스터 텍스트 스타일을 편집하려면 클릭</a:t>
+            </a:r>
+          </a:p>
+          <a:p>
+            <a:pPr lvl="1"/>
+            <a:r>
+              <a:rPr lang="ko-KR" altLang="en-US"/>
+              <a:t>두 번째 수준</a:t>
+            </a:r>
+          </a:p>
+          <a:p>
+            <a:pPr lvl="2"/>
+            <a:r>
+              <a:rPr lang="ko-KR" altLang="en-US"/>
+              <a:t>세 번째 수준</a:t>
+            </a:r>
+          </a:p>
+          <a:p>
+            <a:pPr lvl="3"/>
+            <a:r>
+              <a:rPr lang="ko-KR" altLang="en-US"/>
+              <a:t>네 번째 수준</a:t>
+            </a:r>
+          </a:p>
+          <a:p>
+            <a:pPr lvl="4"/>
+            <a:r>
+              <a:rPr lang="ko-KR" altLang="en-US"/>
+              <a:t>다섯 번째 수준</a:t>
+            </a:r>
+            <a:endParaRPr lang="en-US" dirty="0"/>
+          </a:p>
+        </p:txBody>
+      </p:sp>
+      <p:sp>
+        <p:nvSpPr>
+          <p:cNvPr id="4" name="Date Placeholder 3"/>
+          <p:cNvSpPr>
+            <a:spLocks noGrp="1"/>
+          </p:cNvSpPr>
+          <p:nvPr>
+            <p:ph type="dt" sz="half" idx="10"/>
+          </p:nvPr>
+        </p:nvSpPr>
+        <p:spPr/>
+        <p:txBody>
+          <a:bodyPr/>
+          <a:lstStyle/>
+          <a:p>
+            <a:fld id="{C764DE79-268F-4C1A-8933-263129D2AF90}" type="datetimeFigureOut">
+              <a:rPr lang="en-US" smtClean="0"/>
+              <a:t>10/31/2025</a:t>
+            </a:fld>
+            <a:endParaRPr lang="en-US" dirty="0"/>
+          </a:p>
+        </p:txBody>
+      </p:sp>
+      <p:sp>
+        <p:nvSpPr>
+          <p:cNvPr id="5" name="Footer Placeholder 4"/>
+          <p:cNvSpPr>
+            <a:spLocks noGrp="1"/>
+          </p:cNvSpPr>
+          <p:nvPr>
+            <p:ph type="ftr" sz="quarter" idx="11"/>
+          </p:nvPr>
+        </p:nvSpPr>
+        <p:spPr/>
+        <p:txBody>
+          <a:bodyPr/>
+          <a:lstStyle/>
+          <a:p>
+            <a:endParaRPr lang="en-US" dirty="0"/>
+          </a:p>
+        </p:txBody>
+      </p:sp>
+      <p:sp>
+        <p:nvSpPr>
+          <p:cNvPr id="6" name="Slide Number Placeholder 5"/>
+          <p:cNvSpPr>
+            <a:spLocks noGrp="1"/>
+          </p:cNvSpPr>
+          <p:nvPr>
+            <p:ph type="sldNum" sz="quarter" idx="12"/>
+          </p:nvPr>
+        </p:nvSpPr>
+        <p:spPr/>
+        <p:txBody>
+          <a:bodyPr/>
+          <a:lstStyle/>
+          <a:p>
+            <a:fld id="{48F63A3B-78C7-47BE-AE5E-E10140E04643}" type="slidenum">
+              <a:rPr lang="en-US" smtClean="0"/>
+              <a:t>‹#›</a:t>
+            </a:fld>
+            <a:endParaRPr lang="en-US" dirty="0"/>
+          </a:p>
+        </p:txBody>
+      </p:sp>
     </p:spTree>
+    <p:extLst>
+      <p:ext uri="{BB962C8B-B14F-4D97-AF65-F5344CB8AC3E}">
+        <p14:creationId xmlns:p14="http://schemas.microsoft.com/office/powerpoint/2010/main" val="400511034"/>
+      </p:ext>
+    </p:extLst>
+  </p:cSld>
+  <p:clrMapOvr>
+    <a:masterClrMapping/>
+  </p:clrMapOvr>
+  <p:hf sldNum="0" hdr="0" ftr="0" dt="0"/>
+</p:sldLayout>
+</file>
+
+<file path=ppt/slideLayouts/slideLayout3.xml><?xml version="1.0" encoding="utf-8"?>
+<p:sldLayout xmlns:a="http://schemas.openxmlformats.org/drawingml/2006/main" xmlns:r="http://schemas.openxmlformats.org/officeDocument/2006/relationships" xmlns:p="http://schemas.openxmlformats.org/presentationml/2006/main" type="secHead" preserve="1">
+  <p:cSld name="구역 머리글">
+    <p:spTree>
+      <p:nvGrpSpPr>
+        <p:cNvPr id="1" name=""/>
+        <p:cNvGrpSpPr/>
+        <p:nvPr/>
+      </p:nvGrpSpPr>
+      <p:grpSpPr>
+        <a:xfrm>
+          <a:off x="0" y="0"/>
+          <a:ext cx="0" cy="0"/>
+          <a:chOff x="0" y="0"/>
+          <a:chExt cx="0" cy="0"/>
+        </a:xfrm>
+      </p:grpSpPr>
+      <p:sp>
+        <p:nvSpPr>
+          <p:cNvPr id="2" name="Title 1"/>
+          <p:cNvSpPr>
+            <a:spLocks noGrp="1"/>
+          </p:cNvSpPr>
+          <p:nvPr>
+            <p:ph type="title"/>
+          </p:nvPr>
+        </p:nvSpPr>
+        <p:spPr>
+          <a:xfrm>
+            <a:off x="1458988" y="7547788"/>
+            <a:ext cx="18443377" cy="12593645"/>
+          </a:xfrm>
+        </p:spPr>
+        <p:txBody>
+          <a:bodyPr anchor="b"/>
+          <a:lstStyle>
+            <a:lvl1pPr>
+              <a:defRPr sz="14031"/>
+            </a:lvl1pPr>
+          </a:lstStyle>
+          <a:p>
+            <a:r>
+              <a:rPr lang="ko-KR" altLang="en-US"/>
+              <a:t>마스터 제목 스타일 편집</a:t>
+            </a:r>
+            <a:endParaRPr lang="en-US" dirty="0"/>
+          </a:p>
+        </p:txBody>
+      </p:sp>
+      <p:sp>
+        <p:nvSpPr>
+          <p:cNvPr id="3" name="Text Placeholder 2"/>
+          <p:cNvSpPr>
+            <a:spLocks noGrp="1"/>
+          </p:cNvSpPr>
+          <p:nvPr>
+            <p:ph type="body" idx="1"/>
+          </p:nvPr>
+        </p:nvSpPr>
+        <p:spPr>
+          <a:xfrm>
+            <a:off x="1458988" y="20260574"/>
+            <a:ext cx="18443377" cy="6622701"/>
+          </a:xfrm>
+        </p:spPr>
+        <p:txBody>
+          <a:bodyPr/>
+          <a:lstStyle>
+            <a:lvl1pPr marL="0" indent="0">
+              <a:buNone/>
+              <a:defRPr sz="5612">
+                <a:solidFill>
+                  <a:schemeClr val="tx1"/>
+                </a:solidFill>
+              </a:defRPr>
+            </a:lvl1pPr>
+            <a:lvl2pPr marL="1069162" indent="0">
+              <a:buNone/>
+              <a:defRPr sz="4677">
+                <a:solidFill>
+                  <a:schemeClr val="tx1">
+                    <a:tint val="75000"/>
+                  </a:schemeClr>
+                </a:solidFill>
+              </a:defRPr>
+            </a:lvl2pPr>
+            <a:lvl3pPr marL="2138324" indent="0">
+              <a:buNone/>
+              <a:defRPr sz="4209">
+                <a:solidFill>
+                  <a:schemeClr val="tx1">
+                    <a:tint val="75000"/>
+                  </a:schemeClr>
+                </a:solidFill>
+              </a:defRPr>
+            </a:lvl3pPr>
+            <a:lvl4pPr marL="3207487" indent="0">
+              <a:buNone/>
+              <a:defRPr sz="3742">
+                <a:solidFill>
+                  <a:schemeClr val="tx1">
+                    <a:tint val="75000"/>
+                  </a:schemeClr>
+                </a:solidFill>
+              </a:defRPr>
+            </a:lvl4pPr>
+            <a:lvl5pPr marL="4276649" indent="0">
+              <a:buNone/>
+              <a:defRPr sz="3742">
+                <a:solidFill>
+                  <a:schemeClr val="tx1">
+                    <a:tint val="75000"/>
+                  </a:schemeClr>
+                </a:solidFill>
+              </a:defRPr>
+            </a:lvl5pPr>
+            <a:lvl6pPr marL="5345811" indent="0">
+              <a:buNone/>
+              <a:defRPr sz="3742">
+                <a:solidFill>
+                  <a:schemeClr val="tx1">
+                    <a:tint val="75000"/>
+                  </a:schemeClr>
+                </a:solidFill>
+              </a:defRPr>
+            </a:lvl6pPr>
+            <a:lvl7pPr marL="6414973" indent="0">
+              <a:buNone/>
+              <a:defRPr sz="3742">
+                <a:solidFill>
+                  <a:schemeClr val="tx1">
+                    <a:tint val="75000"/>
+                  </a:schemeClr>
+                </a:solidFill>
+              </a:defRPr>
+            </a:lvl7pPr>
+            <a:lvl8pPr marL="7484135" indent="0">
+              <a:buNone/>
+              <a:defRPr sz="3742">
+                <a:solidFill>
+                  <a:schemeClr val="tx1">
+                    <a:tint val="75000"/>
+                  </a:schemeClr>
+                </a:solidFill>
+              </a:defRPr>
+            </a:lvl8pPr>
+            <a:lvl9pPr marL="8553298" indent="0">
+              <a:buNone/>
+              <a:defRPr sz="3742">
+                <a:solidFill>
+                  <a:schemeClr val="tx1">
+                    <a:tint val="75000"/>
+                  </a:schemeClr>
+                </a:solidFill>
+              </a:defRPr>
+            </a:lvl9pPr>
+          </a:lstStyle>
+          <a:p>
+            <a:pPr lvl="0"/>
+            <a:r>
+              <a:rPr lang="ko-KR" altLang="en-US"/>
+              <a:t>마스터 텍스트 스타일을 편집하려면 클릭</a:t>
+            </a:r>
+          </a:p>
+        </p:txBody>
+      </p:sp>
+      <p:sp>
+        <p:nvSpPr>
+          <p:cNvPr id="4" name="Date Placeholder 3"/>
+          <p:cNvSpPr>
+            <a:spLocks noGrp="1"/>
+          </p:cNvSpPr>
+          <p:nvPr>
+            <p:ph type="dt" sz="half" idx="10"/>
+          </p:nvPr>
+        </p:nvSpPr>
+        <p:spPr/>
+        <p:txBody>
+          <a:bodyPr/>
+          <a:lstStyle/>
+          <a:p>
+            <a:fld id="{C764DE79-268F-4C1A-8933-263129D2AF90}" type="datetimeFigureOut">
+              <a:rPr lang="en-US" smtClean="0"/>
+              <a:t>10/31/2025</a:t>
+            </a:fld>
+            <a:endParaRPr lang="en-US" dirty="0"/>
+          </a:p>
+        </p:txBody>
+      </p:sp>
+      <p:sp>
+        <p:nvSpPr>
+          <p:cNvPr id="5" name="Footer Placeholder 4"/>
+          <p:cNvSpPr>
+            <a:spLocks noGrp="1"/>
+          </p:cNvSpPr>
+          <p:nvPr>
+            <p:ph type="ftr" sz="quarter" idx="11"/>
+          </p:nvPr>
+        </p:nvSpPr>
+        <p:spPr/>
+        <p:txBody>
+          <a:bodyPr/>
+          <a:lstStyle/>
+          <a:p>
+            <a:endParaRPr lang="en-US" dirty="0"/>
+          </a:p>
+        </p:txBody>
+      </p:sp>
+      <p:sp>
+        <p:nvSpPr>
+          <p:cNvPr id="6" name="Slide Number Placeholder 5"/>
+          <p:cNvSpPr>
+            <a:spLocks noGrp="1"/>
+          </p:cNvSpPr>
+          <p:nvPr>
+            <p:ph type="sldNum" sz="quarter" idx="12"/>
+          </p:nvPr>
+        </p:nvSpPr>
+        <p:spPr/>
+        <p:txBody>
+          <a:bodyPr/>
+          <a:lstStyle/>
+          <a:p>
+            <a:fld id="{48F63A3B-78C7-47BE-AE5E-E10140E04643}" type="slidenum">
+              <a:rPr lang="en-US" smtClean="0"/>
+              <a:t>‹#›</a:t>
+            </a:fld>
+            <a:endParaRPr lang="en-US" dirty="0"/>
+          </a:p>
+        </p:txBody>
+      </p:sp>
+    </p:spTree>
+    <p:extLst>
+      <p:ext uri="{BB962C8B-B14F-4D97-AF65-F5344CB8AC3E}">
+        <p14:creationId xmlns:p14="http://schemas.microsoft.com/office/powerpoint/2010/main" val="3946829392"/>
+      </p:ext>
+    </p:extLst>
+  </p:cSld>
+  <p:clrMapOvr>
+    <a:masterClrMapping/>
+  </p:clrMapOvr>
+  <p:hf sldNum="0" hdr="0" ftr="0" dt="0"/>
+</p:sldLayout>
+</file>
+
+<file path=ppt/slideLayouts/slideLayout4.xml><?xml version="1.0" encoding="utf-8"?>
+<p:sldLayout xmlns:a="http://schemas.openxmlformats.org/drawingml/2006/main" xmlns:r="http://schemas.openxmlformats.org/officeDocument/2006/relationships" xmlns:p="http://schemas.openxmlformats.org/presentationml/2006/main" type="twoObj" preserve="1">
+  <p:cSld name="콘텐츠 2개">
+    <p:spTree>
+      <p:nvGrpSpPr>
+        <p:cNvPr id="1" name=""/>
+        <p:cNvGrpSpPr/>
+        <p:nvPr/>
+      </p:nvGrpSpPr>
+      <p:grpSpPr>
+        <a:xfrm>
+          <a:off x="0" y="0"/>
+          <a:ext cx="0" cy="0"/>
+          <a:chOff x="0" y="0"/>
+          <a:chExt cx="0" cy="0"/>
+        </a:xfrm>
+      </p:grpSpPr>
+      <p:sp>
+        <p:nvSpPr>
+          <p:cNvPr id="2" name="Title 1"/>
+          <p:cNvSpPr>
+            <a:spLocks noGrp="1"/>
+          </p:cNvSpPr>
+          <p:nvPr>
+            <p:ph type="title"/>
+          </p:nvPr>
+        </p:nvSpPr>
+        <p:spPr/>
+        <p:txBody>
+          <a:bodyPr/>
+          <a:lstStyle/>
+          <a:p>
+            <a:r>
+              <a:rPr lang="ko-KR" altLang="en-US"/>
+              <a:t>마스터 제목 스타일 편집</a:t>
+            </a:r>
+            <a:endParaRPr lang="en-US" dirty="0"/>
+          </a:p>
+        </p:txBody>
+      </p:sp>
+      <p:sp>
+        <p:nvSpPr>
+          <p:cNvPr id="3" name="Content Placeholder 2"/>
+          <p:cNvSpPr>
+            <a:spLocks noGrp="1"/>
+          </p:cNvSpPr>
+          <p:nvPr>
+            <p:ph sz="half" idx="1"/>
+          </p:nvPr>
+        </p:nvSpPr>
+        <p:spPr>
+          <a:xfrm>
+            <a:off x="1470124" y="8059374"/>
+            <a:ext cx="9088041" cy="19209345"/>
+          </a:xfrm>
+        </p:spPr>
+        <p:txBody>
+          <a:bodyPr/>
+          <a:lstStyle/>
+          <a:p>
+            <a:pPr lvl="0"/>
+            <a:r>
+              <a:rPr lang="ko-KR" altLang="en-US"/>
+              <a:t>마스터 텍스트 스타일을 편집하려면 클릭</a:t>
+            </a:r>
+          </a:p>
+          <a:p>
+            <a:pPr lvl="1"/>
+            <a:r>
+              <a:rPr lang="ko-KR" altLang="en-US"/>
+              <a:t>두 번째 수준</a:t>
+            </a:r>
+          </a:p>
+          <a:p>
+            <a:pPr lvl="2"/>
+            <a:r>
+              <a:rPr lang="ko-KR" altLang="en-US"/>
+              <a:t>세 번째 수준</a:t>
+            </a:r>
+          </a:p>
+          <a:p>
+            <a:pPr lvl="3"/>
+            <a:r>
+              <a:rPr lang="ko-KR" altLang="en-US"/>
+              <a:t>네 번째 수준</a:t>
+            </a:r>
+          </a:p>
+          <a:p>
+            <a:pPr lvl="4"/>
+            <a:r>
+              <a:rPr lang="ko-KR" altLang="en-US"/>
+              <a:t>다섯 번째 수준</a:t>
+            </a:r>
+            <a:endParaRPr lang="en-US" dirty="0"/>
+          </a:p>
+        </p:txBody>
+      </p:sp>
+      <p:sp>
+        <p:nvSpPr>
+          <p:cNvPr id="4" name="Content Placeholder 3"/>
+          <p:cNvSpPr>
+            <a:spLocks noGrp="1"/>
+          </p:cNvSpPr>
+          <p:nvPr>
+            <p:ph sz="half" idx="2"/>
+          </p:nvPr>
+        </p:nvSpPr>
+        <p:spPr>
+          <a:xfrm>
+            <a:off x="10825460" y="8059374"/>
+            <a:ext cx="9088041" cy="19209345"/>
+          </a:xfrm>
+        </p:spPr>
+        <p:txBody>
+          <a:bodyPr/>
+          <a:lstStyle/>
+          <a:p>
+            <a:pPr lvl="0"/>
+            <a:r>
+              <a:rPr lang="ko-KR" altLang="en-US"/>
+              <a:t>마스터 텍스트 스타일을 편집하려면 클릭</a:t>
+            </a:r>
+          </a:p>
+          <a:p>
+            <a:pPr lvl="1"/>
+            <a:r>
+              <a:rPr lang="ko-KR" altLang="en-US"/>
+              <a:t>두 번째 수준</a:t>
+            </a:r>
+          </a:p>
+          <a:p>
+            <a:pPr lvl="2"/>
+            <a:r>
+              <a:rPr lang="ko-KR" altLang="en-US"/>
+              <a:t>세 번째 수준</a:t>
+            </a:r>
+          </a:p>
+          <a:p>
+            <a:pPr lvl="3"/>
+            <a:r>
+              <a:rPr lang="ko-KR" altLang="en-US"/>
+              <a:t>네 번째 수준</a:t>
+            </a:r>
+          </a:p>
+          <a:p>
+            <a:pPr lvl="4"/>
+            <a:r>
+              <a:rPr lang="ko-KR" altLang="en-US"/>
+              <a:t>다섯 번째 수준</a:t>
+            </a:r>
+            <a:endParaRPr lang="en-US" dirty="0"/>
+          </a:p>
+        </p:txBody>
+      </p:sp>
+      <p:sp>
+        <p:nvSpPr>
+          <p:cNvPr id="5" name="Date Placeholder 4"/>
+          <p:cNvSpPr>
+            <a:spLocks noGrp="1"/>
+          </p:cNvSpPr>
+          <p:nvPr>
+            <p:ph type="dt" sz="half" idx="10"/>
+          </p:nvPr>
+        </p:nvSpPr>
+        <p:spPr/>
+        <p:txBody>
+          <a:bodyPr/>
+          <a:lstStyle/>
+          <a:p>
+            <a:fld id="{C764DE79-268F-4C1A-8933-263129D2AF90}" type="datetimeFigureOut">
+              <a:rPr lang="en-US" smtClean="0"/>
+              <a:t>10/31/2025</a:t>
+            </a:fld>
+            <a:endParaRPr lang="en-US" dirty="0"/>
+          </a:p>
+        </p:txBody>
+      </p:sp>
+      <p:sp>
+        <p:nvSpPr>
+          <p:cNvPr id="6" name="Footer Placeholder 5"/>
+          <p:cNvSpPr>
+            <a:spLocks noGrp="1"/>
+          </p:cNvSpPr>
+          <p:nvPr>
+            <p:ph type="ftr" sz="quarter" idx="11"/>
+          </p:nvPr>
+        </p:nvSpPr>
+        <p:spPr/>
+        <p:txBody>
+          <a:bodyPr/>
+          <a:lstStyle/>
+          <a:p>
+            <a:endParaRPr lang="en-US" dirty="0"/>
+          </a:p>
+        </p:txBody>
+      </p:sp>
+      <p:sp>
+        <p:nvSpPr>
+          <p:cNvPr id="7" name="Slide Number Placeholder 6"/>
+          <p:cNvSpPr>
+            <a:spLocks noGrp="1"/>
+          </p:cNvSpPr>
+          <p:nvPr>
+            <p:ph type="sldNum" sz="quarter" idx="12"/>
+          </p:nvPr>
+        </p:nvSpPr>
+        <p:spPr/>
+        <p:txBody>
+          <a:bodyPr/>
+          <a:lstStyle/>
+          <a:p>
+            <a:fld id="{48F63A3B-78C7-47BE-AE5E-E10140E04643}" type="slidenum">
+              <a:rPr lang="en-US" smtClean="0"/>
+              <a:t>‹#›</a:t>
+            </a:fld>
+            <a:endParaRPr lang="en-US" dirty="0"/>
+          </a:p>
+        </p:txBody>
+      </p:sp>
+    </p:spTree>
+    <p:extLst>
+      <p:ext uri="{BB962C8B-B14F-4D97-AF65-F5344CB8AC3E}">
+        <p14:creationId xmlns:p14="http://schemas.microsoft.com/office/powerpoint/2010/main" val="902566411"/>
+      </p:ext>
+    </p:extLst>
+  </p:cSld>
+  <p:clrMapOvr>
+    <a:masterClrMapping/>
+  </p:clrMapOvr>
+  <p:hf sldNum="0" hdr="0" ftr="0" dt="0"/>
+</p:sldLayout>
+</file>
+
+<file path=ppt/slideLayouts/slideLayout5.xml><?xml version="1.0" encoding="utf-8"?>
+<p:sldLayout xmlns:a="http://schemas.openxmlformats.org/drawingml/2006/main" xmlns:r="http://schemas.openxmlformats.org/officeDocument/2006/relationships" xmlns:p="http://schemas.openxmlformats.org/presentationml/2006/main" type="twoTxTwoObj" preserve="1">
+  <p:cSld name="비교">
+    <p:spTree>
+      <p:nvGrpSpPr>
+        <p:cNvPr id="1" name=""/>
+        <p:cNvGrpSpPr/>
+        <p:nvPr/>
+      </p:nvGrpSpPr>
+      <p:grpSpPr>
+        <a:xfrm>
+          <a:off x="0" y="0"/>
+          <a:ext cx="0" cy="0"/>
+          <a:chOff x="0" y="0"/>
+          <a:chExt cx="0" cy="0"/>
+        </a:xfrm>
+      </p:grpSpPr>
+      <p:sp>
+        <p:nvSpPr>
+          <p:cNvPr id="2" name="Title 1"/>
+          <p:cNvSpPr>
+            <a:spLocks noGrp="1"/>
+          </p:cNvSpPr>
+          <p:nvPr>
+            <p:ph type="title"/>
+          </p:nvPr>
+        </p:nvSpPr>
+        <p:spPr>
+          <a:xfrm>
+            <a:off x="1472909" y="1611882"/>
+            <a:ext cx="18443377" cy="5851808"/>
+          </a:xfrm>
+        </p:spPr>
+        <p:txBody>
+          <a:bodyPr/>
+          <a:lstStyle/>
+          <a:p>
+            <a:r>
+              <a:rPr lang="ko-KR" altLang="en-US"/>
+              <a:t>마스터 제목 스타일 편집</a:t>
+            </a:r>
+            <a:endParaRPr lang="en-US" dirty="0"/>
+          </a:p>
+        </p:txBody>
+      </p:sp>
+      <p:sp>
+        <p:nvSpPr>
+          <p:cNvPr id="3" name="Text Placeholder 2"/>
+          <p:cNvSpPr>
+            <a:spLocks noGrp="1"/>
+          </p:cNvSpPr>
+          <p:nvPr>
+            <p:ph type="body" idx="1"/>
+          </p:nvPr>
+        </p:nvSpPr>
+        <p:spPr>
+          <a:xfrm>
+            <a:off x="1472912" y="7421634"/>
+            <a:ext cx="9046274" cy="3637228"/>
+          </a:xfrm>
+        </p:spPr>
+        <p:txBody>
+          <a:bodyPr anchor="b"/>
+          <a:lstStyle>
+            <a:lvl1pPr marL="0" indent="0">
+              <a:buNone/>
+              <a:defRPr sz="5612" b="1"/>
+            </a:lvl1pPr>
+            <a:lvl2pPr marL="1069162" indent="0">
+              <a:buNone/>
+              <a:defRPr sz="4677" b="1"/>
+            </a:lvl2pPr>
+            <a:lvl3pPr marL="2138324" indent="0">
+              <a:buNone/>
+              <a:defRPr sz="4209" b="1"/>
+            </a:lvl3pPr>
+            <a:lvl4pPr marL="3207487" indent="0">
+              <a:buNone/>
+              <a:defRPr sz="3742" b="1"/>
+            </a:lvl4pPr>
+            <a:lvl5pPr marL="4276649" indent="0">
+              <a:buNone/>
+              <a:defRPr sz="3742" b="1"/>
+            </a:lvl5pPr>
+            <a:lvl6pPr marL="5345811" indent="0">
+              <a:buNone/>
+              <a:defRPr sz="3742" b="1"/>
+            </a:lvl6pPr>
+            <a:lvl7pPr marL="6414973" indent="0">
+              <a:buNone/>
+              <a:defRPr sz="3742" b="1"/>
+            </a:lvl7pPr>
+            <a:lvl8pPr marL="7484135" indent="0">
+              <a:buNone/>
+              <a:defRPr sz="3742" b="1"/>
+            </a:lvl8pPr>
+            <a:lvl9pPr marL="8553298" indent="0">
+              <a:buNone/>
+              <a:defRPr sz="3742" b="1"/>
+            </a:lvl9pPr>
+          </a:lstStyle>
+          <a:p>
+            <a:pPr lvl="0"/>
+            <a:r>
+              <a:rPr lang="ko-KR" altLang="en-US"/>
+              <a:t>마스터 텍스트 스타일을 편집하려면 클릭</a:t>
+            </a:r>
+          </a:p>
+        </p:txBody>
+      </p:sp>
+      <p:sp>
+        <p:nvSpPr>
+          <p:cNvPr id="4" name="Content Placeholder 3"/>
+          <p:cNvSpPr>
+            <a:spLocks noGrp="1"/>
+          </p:cNvSpPr>
+          <p:nvPr>
+            <p:ph sz="half" idx="2"/>
+          </p:nvPr>
+        </p:nvSpPr>
+        <p:spPr>
+          <a:xfrm>
+            <a:off x="1472912" y="11058863"/>
+            <a:ext cx="9046274" cy="16265921"/>
+          </a:xfrm>
+        </p:spPr>
+        <p:txBody>
+          <a:bodyPr/>
+          <a:lstStyle/>
+          <a:p>
+            <a:pPr lvl="0"/>
+            <a:r>
+              <a:rPr lang="ko-KR" altLang="en-US"/>
+              <a:t>마스터 텍스트 스타일을 편집하려면 클릭</a:t>
+            </a:r>
+          </a:p>
+          <a:p>
+            <a:pPr lvl="1"/>
+            <a:r>
+              <a:rPr lang="ko-KR" altLang="en-US"/>
+              <a:t>두 번째 수준</a:t>
+            </a:r>
+          </a:p>
+          <a:p>
+            <a:pPr lvl="2"/>
+            <a:r>
+              <a:rPr lang="ko-KR" altLang="en-US"/>
+              <a:t>세 번째 수준</a:t>
+            </a:r>
+          </a:p>
+          <a:p>
+            <a:pPr lvl="3"/>
+            <a:r>
+              <a:rPr lang="ko-KR" altLang="en-US"/>
+              <a:t>네 번째 수준</a:t>
+            </a:r>
+          </a:p>
+          <a:p>
+            <a:pPr lvl="4"/>
+            <a:r>
+              <a:rPr lang="ko-KR" altLang="en-US"/>
+              <a:t>다섯 번째 수준</a:t>
+            </a:r>
+            <a:endParaRPr lang="en-US" dirty="0"/>
+          </a:p>
+        </p:txBody>
+      </p:sp>
+      <p:sp>
+        <p:nvSpPr>
+          <p:cNvPr id="5" name="Text Placeholder 4"/>
+          <p:cNvSpPr>
+            <a:spLocks noGrp="1"/>
+          </p:cNvSpPr>
+          <p:nvPr>
+            <p:ph type="body" sz="quarter" idx="3"/>
+          </p:nvPr>
+        </p:nvSpPr>
+        <p:spPr>
+          <a:xfrm>
+            <a:off x="10825461" y="7421634"/>
+            <a:ext cx="9090826" cy="3637228"/>
+          </a:xfrm>
+        </p:spPr>
+        <p:txBody>
+          <a:bodyPr anchor="b"/>
+          <a:lstStyle>
+            <a:lvl1pPr marL="0" indent="0">
+              <a:buNone/>
+              <a:defRPr sz="5612" b="1"/>
+            </a:lvl1pPr>
+            <a:lvl2pPr marL="1069162" indent="0">
+              <a:buNone/>
+              <a:defRPr sz="4677" b="1"/>
+            </a:lvl2pPr>
+            <a:lvl3pPr marL="2138324" indent="0">
+              <a:buNone/>
+              <a:defRPr sz="4209" b="1"/>
+            </a:lvl3pPr>
+            <a:lvl4pPr marL="3207487" indent="0">
+              <a:buNone/>
+              <a:defRPr sz="3742" b="1"/>
+            </a:lvl4pPr>
+            <a:lvl5pPr marL="4276649" indent="0">
+              <a:buNone/>
+              <a:defRPr sz="3742" b="1"/>
+            </a:lvl5pPr>
+            <a:lvl6pPr marL="5345811" indent="0">
+              <a:buNone/>
+              <a:defRPr sz="3742" b="1"/>
+            </a:lvl6pPr>
+            <a:lvl7pPr marL="6414973" indent="0">
+              <a:buNone/>
+              <a:defRPr sz="3742" b="1"/>
+            </a:lvl7pPr>
+            <a:lvl8pPr marL="7484135" indent="0">
+              <a:buNone/>
+              <a:defRPr sz="3742" b="1"/>
+            </a:lvl8pPr>
+            <a:lvl9pPr marL="8553298" indent="0">
+              <a:buNone/>
+              <a:defRPr sz="3742" b="1"/>
+            </a:lvl9pPr>
+          </a:lstStyle>
+          <a:p>
+            <a:pPr lvl="0"/>
+            <a:r>
+              <a:rPr lang="ko-KR" altLang="en-US"/>
+              <a:t>마스터 텍스트 스타일을 편집하려면 클릭</a:t>
+            </a:r>
+          </a:p>
+        </p:txBody>
+      </p:sp>
+      <p:sp>
+        <p:nvSpPr>
+          <p:cNvPr id="6" name="Content Placeholder 5"/>
+          <p:cNvSpPr>
+            <a:spLocks noGrp="1"/>
+          </p:cNvSpPr>
+          <p:nvPr>
+            <p:ph sz="quarter" idx="4"/>
+          </p:nvPr>
+        </p:nvSpPr>
+        <p:spPr>
+          <a:xfrm>
+            <a:off x="10825461" y="11058863"/>
+            <a:ext cx="9090826" cy="16265921"/>
+          </a:xfrm>
+        </p:spPr>
+        <p:txBody>
+          <a:bodyPr/>
+          <a:lstStyle/>
+          <a:p>
+            <a:pPr lvl="0"/>
+            <a:r>
+              <a:rPr lang="ko-KR" altLang="en-US"/>
+              <a:t>마스터 텍스트 스타일을 편집하려면 클릭</a:t>
+            </a:r>
+          </a:p>
+          <a:p>
+            <a:pPr lvl="1"/>
+            <a:r>
+              <a:rPr lang="ko-KR" altLang="en-US"/>
+              <a:t>두 번째 수준</a:t>
+            </a:r>
+          </a:p>
+          <a:p>
+            <a:pPr lvl="2"/>
+            <a:r>
+              <a:rPr lang="ko-KR" altLang="en-US"/>
+              <a:t>세 번째 수준</a:t>
+            </a:r>
+          </a:p>
+          <a:p>
+            <a:pPr lvl="3"/>
+            <a:r>
+              <a:rPr lang="ko-KR" altLang="en-US"/>
+              <a:t>네 번째 수준</a:t>
+            </a:r>
+          </a:p>
+          <a:p>
+            <a:pPr lvl="4"/>
+            <a:r>
+              <a:rPr lang="ko-KR" altLang="en-US"/>
+              <a:t>다섯 번째 수준</a:t>
+            </a:r>
+            <a:endParaRPr lang="en-US" dirty="0"/>
+          </a:p>
+        </p:txBody>
+      </p:sp>
+      <p:sp>
+        <p:nvSpPr>
+          <p:cNvPr id="7" name="Date Placeholder 6"/>
+          <p:cNvSpPr>
+            <a:spLocks noGrp="1"/>
+          </p:cNvSpPr>
+          <p:nvPr>
+            <p:ph type="dt" sz="half" idx="10"/>
+          </p:nvPr>
+        </p:nvSpPr>
+        <p:spPr/>
+        <p:txBody>
+          <a:bodyPr/>
+          <a:lstStyle/>
+          <a:p>
+            <a:fld id="{C764DE79-268F-4C1A-8933-263129D2AF90}" type="datetimeFigureOut">
+              <a:rPr lang="en-US" smtClean="0"/>
+              <a:t>10/31/2025</a:t>
+            </a:fld>
+            <a:endParaRPr lang="en-US" dirty="0"/>
+          </a:p>
+        </p:txBody>
+      </p:sp>
+      <p:sp>
+        <p:nvSpPr>
+          <p:cNvPr id="8" name="Footer Placeholder 7"/>
+          <p:cNvSpPr>
+            <a:spLocks noGrp="1"/>
+          </p:cNvSpPr>
+          <p:nvPr>
+            <p:ph type="ftr" sz="quarter" idx="11"/>
+          </p:nvPr>
+        </p:nvSpPr>
+        <p:spPr/>
+        <p:txBody>
+          <a:bodyPr/>
+          <a:lstStyle/>
+          <a:p>
+            <a:endParaRPr lang="en-US" dirty="0"/>
+          </a:p>
+        </p:txBody>
+      </p:sp>
+      <p:sp>
+        <p:nvSpPr>
+          <p:cNvPr id="9" name="Slide Number Placeholder 8"/>
+          <p:cNvSpPr>
+            <a:spLocks noGrp="1"/>
+          </p:cNvSpPr>
+          <p:nvPr>
+            <p:ph type="sldNum" sz="quarter" idx="12"/>
+          </p:nvPr>
+        </p:nvSpPr>
+        <p:spPr/>
+        <p:txBody>
+          <a:bodyPr/>
+          <a:lstStyle/>
+          <a:p>
+            <a:fld id="{48F63A3B-78C7-47BE-AE5E-E10140E04643}" type="slidenum">
+              <a:rPr lang="en-US" smtClean="0"/>
+              <a:t>‹#›</a:t>
+            </a:fld>
+            <a:endParaRPr lang="en-US" dirty="0"/>
+          </a:p>
+        </p:txBody>
+      </p:sp>
+    </p:spTree>
+    <p:extLst>
+      <p:ext uri="{BB962C8B-B14F-4D97-AF65-F5344CB8AC3E}">
+        <p14:creationId xmlns:p14="http://schemas.microsoft.com/office/powerpoint/2010/main" val="3147887100"/>
+      </p:ext>
+    </p:extLst>
+  </p:cSld>
+  <p:clrMapOvr>
+    <a:masterClrMapping/>
+  </p:clrMapOvr>
+  <p:hf sldNum="0" hdr="0" ftr="0" dt="0"/>
+</p:sldLayout>
+</file>
+
+<file path=ppt/slideLayouts/slideLayout6.xml><?xml version="1.0" encoding="utf-8"?>
+<p:sldLayout xmlns:a="http://schemas.openxmlformats.org/drawingml/2006/main" xmlns:r="http://schemas.openxmlformats.org/officeDocument/2006/relationships" xmlns:p="http://schemas.openxmlformats.org/presentationml/2006/main" type="titleOnly" preserve="1">
+  <p:cSld name="제목만">
+    <p:spTree>
+      <p:nvGrpSpPr>
+        <p:cNvPr id="1" name=""/>
+        <p:cNvGrpSpPr/>
+        <p:nvPr/>
+      </p:nvGrpSpPr>
+      <p:grpSpPr>
+        <a:xfrm>
+          <a:off x="0" y="0"/>
+          <a:ext cx="0" cy="0"/>
+          <a:chOff x="0" y="0"/>
+          <a:chExt cx="0" cy="0"/>
+        </a:xfrm>
+      </p:grpSpPr>
+      <p:sp>
+        <p:nvSpPr>
+          <p:cNvPr id="2" name="Title 1"/>
+          <p:cNvSpPr>
+            <a:spLocks noGrp="1"/>
+          </p:cNvSpPr>
+          <p:nvPr>
+            <p:ph type="title"/>
+          </p:nvPr>
+        </p:nvSpPr>
+        <p:spPr/>
+        <p:txBody>
+          <a:bodyPr/>
+          <a:lstStyle/>
+          <a:p>
+            <a:r>
+              <a:rPr lang="ko-KR" altLang="en-US"/>
+              <a:t>마스터 제목 스타일 편집</a:t>
+            </a:r>
+            <a:endParaRPr lang="en-US" dirty="0"/>
+          </a:p>
+        </p:txBody>
+      </p:sp>
+      <p:sp>
+        <p:nvSpPr>
+          <p:cNvPr id="3" name="Date Placeholder 2"/>
+          <p:cNvSpPr>
+            <a:spLocks noGrp="1"/>
+          </p:cNvSpPr>
+          <p:nvPr>
+            <p:ph type="dt" sz="half" idx="10"/>
+          </p:nvPr>
+        </p:nvSpPr>
+        <p:spPr/>
+        <p:txBody>
+          <a:bodyPr/>
+          <a:lstStyle/>
+          <a:p>
+            <a:fld id="{C764DE79-268F-4C1A-8933-263129D2AF90}" type="datetimeFigureOut">
+              <a:rPr lang="en-US" smtClean="0"/>
+              <a:t>10/31/2025</a:t>
+            </a:fld>
+            <a:endParaRPr lang="en-US" dirty="0"/>
+          </a:p>
+        </p:txBody>
+      </p:sp>
+      <p:sp>
+        <p:nvSpPr>
+          <p:cNvPr id="4" name="Footer Placeholder 3"/>
+          <p:cNvSpPr>
+            <a:spLocks noGrp="1"/>
+          </p:cNvSpPr>
+          <p:nvPr>
+            <p:ph type="ftr" sz="quarter" idx="11"/>
+          </p:nvPr>
+        </p:nvSpPr>
+        <p:spPr/>
+        <p:txBody>
+          <a:bodyPr/>
+          <a:lstStyle/>
+          <a:p>
+            <a:endParaRPr lang="en-US" dirty="0"/>
+          </a:p>
+        </p:txBody>
+      </p:sp>
+      <p:sp>
+        <p:nvSpPr>
+          <p:cNvPr id="5" name="Slide Number Placeholder 4"/>
+          <p:cNvSpPr>
+            <a:spLocks noGrp="1"/>
+          </p:cNvSpPr>
+          <p:nvPr>
+            <p:ph type="sldNum" sz="quarter" idx="12"/>
+          </p:nvPr>
+        </p:nvSpPr>
+        <p:spPr/>
+        <p:txBody>
+          <a:bodyPr/>
+          <a:lstStyle/>
+          <a:p>
+            <a:fld id="{48F63A3B-78C7-47BE-AE5E-E10140E04643}" type="slidenum">
+              <a:rPr lang="en-US" smtClean="0"/>
+              <a:t>‹#›</a:t>
+            </a:fld>
+            <a:endParaRPr lang="en-US" dirty="0"/>
+          </a:p>
+        </p:txBody>
+      </p:sp>
+    </p:spTree>
+    <p:extLst>
+      <p:ext uri="{BB962C8B-B14F-4D97-AF65-F5344CB8AC3E}">
+        <p14:creationId xmlns:p14="http://schemas.microsoft.com/office/powerpoint/2010/main" val="3941720340"/>
+      </p:ext>
+    </p:extLst>
+  </p:cSld>
+  <p:clrMapOvr>
+    <a:masterClrMapping/>
+  </p:clrMapOvr>
+  <p:hf sldNum="0" hdr="0" ftr="0" dt="0"/>
+</p:sldLayout>
+</file>
+
+<file path=ppt/slideLayouts/slideLayout7.xml><?xml version="1.0" encoding="utf-8"?>
+<p:sldLayout xmlns:a="http://schemas.openxmlformats.org/drawingml/2006/main" xmlns:r="http://schemas.openxmlformats.org/officeDocument/2006/relationships" xmlns:p="http://schemas.openxmlformats.org/presentationml/2006/main" type="blank" preserve="1">
+  <p:cSld name="빈 화면">
+    <p:spTree>
+      <p:nvGrpSpPr>
+        <p:cNvPr id="1" name=""/>
+        <p:cNvGrpSpPr/>
+        <p:nvPr/>
+      </p:nvGrpSpPr>
+      <p:grpSpPr>
+        <a:xfrm>
+          <a:off x="0" y="0"/>
+          <a:ext cx="0" cy="0"/>
+          <a:chOff x="0" y="0"/>
+          <a:chExt cx="0" cy="0"/>
+        </a:xfrm>
+      </p:grpSpPr>
+      <p:sp>
+        <p:nvSpPr>
+          <p:cNvPr id="2" name="Date Placeholder 1"/>
+          <p:cNvSpPr>
+            <a:spLocks noGrp="1"/>
+          </p:cNvSpPr>
+          <p:nvPr>
+            <p:ph type="dt" sz="half" idx="10"/>
+          </p:nvPr>
+        </p:nvSpPr>
+        <p:spPr/>
+        <p:txBody>
+          <a:bodyPr/>
+          <a:lstStyle/>
+          <a:p>
+            <a:fld id="{C764DE79-268F-4C1A-8933-263129D2AF90}" type="datetimeFigureOut">
+              <a:rPr lang="en-US" smtClean="0"/>
+              <a:t>10/31/2025</a:t>
+            </a:fld>
+            <a:endParaRPr lang="en-US" dirty="0"/>
+          </a:p>
+        </p:txBody>
+      </p:sp>
+      <p:sp>
+        <p:nvSpPr>
+          <p:cNvPr id="3" name="Footer Placeholder 2"/>
+          <p:cNvSpPr>
+            <a:spLocks noGrp="1"/>
+          </p:cNvSpPr>
+          <p:nvPr>
+            <p:ph type="ftr" sz="quarter" idx="11"/>
+          </p:nvPr>
+        </p:nvSpPr>
+        <p:spPr/>
+        <p:txBody>
+          <a:bodyPr/>
+          <a:lstStyle/>
+          <a:p>
+            <a:endParaRPr lang="en-US" dirty="0"/>
+          </a:p>
+        </p:txBody>
+      </p:sp>
+      <p:sp>
+        <p:nvSpPr>
+          <p:cNvPr id="4" name="Slide Number Placeholder 3"/>
+          <p:cNvSpPr>
+            <a:spLocks noGrp="1"/>
+          </p:cNvSpPr>
+          <p:nvPr>
+            <p:ph type="sldNum" sz="quarter" idx="12"/>
+          </p:nvPr>
+        </p:nvSpPr>
+        <p:spPr/>
+        <p:txBody>
+          <a:bodyPr/>
+          <a:lstStyle/>
+          <a:p>
+            <a:fld id="{48F63A3B-78C7-47BE-AE5E-E10140E04643}" type="slidenum">
+              <a:rPr lang="en-US" smtClean="0"/>
+              <a:t>‹#›</a:t>
+            </a:fld>
+            <a:endParaRPr lang="en-US" dirty="0"/>
+          </a:p>
+        </p:txBody>
+      </p:sp>
+    </p:spTree>
+    <p:extLst>
+      <p:ext uri="{BB962C8B-B14F-4D97-AF65-F5344CB8AC3E}">
+        <p14:creationId xmlns:p14="http://schemas.microsoft.com/office/powerpoint/2010/main" val="1213721144"/>
+      </p:ext>
+    </p:extLst>
+  </p:cSld>
+  <p:clrMapOvr>
+    <a:masterClrMapping/>
+  </p:clrMapOvr>
+  <p:hf sldNum="0" hdr="0" ftr="0" dt="0"/>
+</p:sldLayout>
+</file>
+
+<file path=ppt/slideLayouts/slideLayout8.xml><?xml version="1.0" encoding="utf-8"?>
+<p:sldLayout xmlns:a="http://schemas.openxmlformats.org/drawingml/2006/main" xmlns:r="http://schemas.openxmlformats.org/officeDocument/2006/relationships" xmlns:p="http://schemas.openxmlformats.org/presentationml/2006/main" type="objTx" preserve="1">
+  <p:cSld name="캡션 있는 콘텐츠">
+    <p:spTree>
+      <p:nvGrpSpPr>
+        <p:cNvPr id="1" name=""/>
+        <p:cNvGrpSpPr/>
+        <p:nvPr/>
+      </p:nvGrpSpPr>
+      <p:grpSpPr>
+        <a:xfrm>
+          <a:off x="0" y="0"/>
+          <a:ext cx="0" cy="0"/>
+          <a:chOff x="0" y="0"/>
+          <a:chExt cx="0" cy="0"/>
+        </a:xfrm>
+      </p:grpSpPr>
+      <p:sp>
+        <p:nvSpPr>
+          <p:cNvPr id="2" name="Title 1"/>
+          <p:cNvSpPr>
+            <a:spLocks noGrp="1"/>
+          </p:cNvSpPr>
+          <p:nvPr>
+            <p:ph type="title"/>
+          </p:nvPr>
+        </p:nvSpPr>
+        <p:spPr>
+          <a:xfrm>
+            <a:off x="1472909" y="2018348"/>
+            <a:ext cx="6896776" cy="7064216"/>
+          </a:xfrm>
+        </p:spPr>
+        <p:txBody>
+          <a:bodyPr anchor="b"/>
+          <a:lstStyle>
+            <a:lvl1pPr>
+              <a:defRPr sz="7483"/>
+            </a:lvl1pPr>
+          </a:lstStyle>
+          <a:p>
+            <a:r>
+              <a:rPr lang="ko-KR" altLang="en-US"/>
+              <a:t>마스터 제목 스타일 편집</a:t>
+            </a:r>
+            <a:endParaRPr lang="en-US" dirty="0"/>
+          </a:p>
+        </p:txBody>
+      </p:sp>
+      <p:sp>
+        <p:nvSpPr>
+          <p:cNvPr id="3" name="Content Placeholder 2"/>
+          <p:cNvSpPr>
+            <a:spLocks noGrp="1"/>
+          </p:cNvSpPr>
+          <p:nvPr>
+            <p:ph idx="1"/>
+          </p:nvPr>
+        </p:nvSpPr>
+        <p:spPr>
+          <a:xfrm>
+            <a:off x="9090826" y="4359077"/>
+            <a:ext cx="10825460" cy="21515024"/>
+          </a:xfrm>
+        </p:spPr>
+        <p:txBody>
+          <a:bodyPr/>
+          <a:lstStyle>
+            <a:lvl1pPr>
+              <a:defRPr sz="7483"/>
+            </a:lvl1pPr>
+            <a:lvl2pPr>
+              <a:defRPr sz="6548"/>
+            </a:lvl2pPr>
+            <a:lvl3pPr>
+              <a:defRPr sz="5612"/>
+            </a:lvl3pPr>
+            <a:lvl4pPr>
+              <a:defRPr sz="4677"/>
+            </a:lvl4pPr>
+            <a:lvl5pPr>
+              <a:defRPr sz="4677"/>
+            </a:lvl5pPr>
+            <a:lvl6pPr>
+              <a:defRPr sz="4677"/>
+            </a:lvl6pPr>
+            <a:lvl7pPr>
+              <a:defRPr sz="4677"/>
+            </a:lvl7pPr>
+            <a:lvl8pPr>
+              <a:defRPr sz="4677"/>
+            </a:lvl8pPr>
+            <a:lvl9pPr>
+              <a:defRPr sz="4677"/>
+            </a:lvl9pPr>
+          </a:lstStyle>
+          <a:p>
+            <a:pPr lvl="0"/>
+            <a:r>
+              <a:rPr lang="ko-KR" altLang="en-US"/>
+              <a:t>마스터 텍스트 스타일을 편집하려면 클릭</a:t>
+            </a:r>
+          </a:p>
+          <a:p>
+            <a:pPr lvl="1"/>
+            <a:r>
+              <a:rPr lang="ko-KR" altLang="en-US"/>
+              <a:t>두 번째 수준</a:t>
+            </a:r>
+          </a:p>
+          <a:p>
+            <a:pPr lvl="2"/>
+            <a:r>
+              <a:rPr lang="ko-KR" altLang="en-US"/>
+              <a:t>세 번째 수준</a:t>
+            </a:r>
+          </a:p>
+          <a:p>
+            <a:pPr lvl="3"/>
+            <a:r>
+              <a:rPr lang="ko-KR" altLang="en-US"/>
+              <a:t>네 번째 수준</a:t>
+            </a:r>
+          </a:p>
+          <a:p>
+            <a:pPr lvl="4"/>
+            <a:r>
+              <a:rPr lang="ko-KR" altLang="en-US"/>
+              <a:t>다섯 번째 수준</a:t>
+            </a:r>
+            <a:endParaRPr lang="en-US" dirty="0"/>
+          </a:p>
+        </p:txBody>
+      </p:sp>
+      <p:sp>
+        <p:nvSpPr>
+          <p:cNvPr id="4" name="Text Placeholder 3"/>
+          <p:cNvSpPr>
+            <a:spLocks noGrp="1"/>
+          </p:cNvSpPr>
+          <p:nvPr>
+            <p:ph type="body" sz="half" idx="2"/>
+          </p:nvPr>
+        </p:nvSpPr>
+        <p:spPr>
+          <a:xfrm>
+            <a:off x="1472909" y="9082564"/>
+            <a:ext cx="6896776" cy="16826573"/>
+          </a:xfrm>
+        </p:spPr>
+        <p:txBody>
+          <a:bodyPr/>
+          <a:lstStyle>
+            <a:lvl1pPr marL="0" indent="0">
+              <a:buNone/>
+              <a:defRPr sz="3742"/>
+            </a:lvl1pPr>
+            <a:lvl2pPr marL="1069162" indent="0">
+              <a:buNone/>
+              <a:defRPr sz="3274"/>
+            </a:lvl2pPr>
+            <a:lvl3pPr marL="2138324" indent="0">
+              <a:buNone/>
+              <a:defRPr sz="2806"/>
+            </a:lvl3pPr>
+            <a:lvl4pPr marL="3207487" indent="0">
+              <a:buNone/>
+              <a:defRPr sz="2339"/>
+            </a:lvl4pPr>
+            <a:lvl5pPr marL="4276649" indent="0">
+              <a:buNone/>
+              <a:defRPr sz="2339"/>
+            </a:lvl5pPr>
+            <a:lvl6pPr marL="5345811" indent="0">
+              <a:buNone/>
+              <a:defRPr sz="2339"/>
+            </a:lvl6pPr>
+            <a:lvl7pPr marL="6414973" indent="0">
+              <a:buNone/>
+              <a:defRPr sz="2339"/>
+            </a:lvl7pPr>
+            <a:lvl8pPr marL="7484135" indent="0">
+              <a:buNone/>
+              <a:defRPr sz="2339"/>
+            </a:lvl8pPr>
+            <a:lvl9pPr marL="8553298" indent="0">
+              <a:buNone/>
+              <a:defRPr sz="2339"/>
+            </a:lvl9pPr>
+          </a:lstStyle>
+          <a:p>
+            <a:pPr lvl="0"/>
+            <a:r>
+              <a:rPr lang="ko-KR" altLang="en-US"/>
+              <a:t>마스터 텍스트 스타일을 편집하려면 클릭</a:t>
+            </a:r>
+          </a:p>
+        </p:txBody>
+      </p:sp>
+      <p:sp>
+        <p:nvSpPr>
+          <p:cNvPr id="5" name="Date Placeholder 4"/>
+          <p:cNvSpPr>
+            <a:spLocks noGrp="1"/>
+          </p:cNvSpPr>
+          <p:nvPr>
+            <p:ph type="dt" sz="half" idx="10"/>
+          </p:nvPr>
+        </p:nvSpPr>
+        <p:spPr/>
+        <p:txBody>
+          <a:bodyPr/>
+          <a:lstStyle/>
+          <a:p>
+            <a:fld id="{C764DE79-268F-4C1A-8933-263129D2AF90}" type="datetimeFigureOut">
+              <a:rPr lang="en-US" smtClean="0"/>
+              <a:t>10/31/2025</a:t>
+            </a:fld>
+            <a:endParaRPr lang="en-US" dirty="0"/>
+          </a:p>
+        </p:txBody>
+      </p:sp>
+      <p:sp>
+        <p:nvSpPr>
+          <p:cNvPr id="6" name="Footer Placeholder 5"/>
+          <p:cNvSpPr>
+            <a:spLocks noGrp="1"/>
+          </p:cNvSpPr>
+          <p:nvPr>
+            <p:ph type="ftr" sz="quarter" idx="11"/>
+          </p:nvPr>
+        </p:nvSpPr>
+        <p:spPr/>
+        <p:txBody>
+          <a:bodyPr/>
+          <a:lstStyle/>
+          <a:p>
+            <a:endParaRPr lang="en-US" dirty="0"/>
+          </a:p>
+        </p:txBody>
+      </p:sp>
+      <p:sp>
+        <p:nvSpPr>
+          <p:cNvPr id="7" name="Slide Number Placeholder 6"/>
+          <p:cNvSpPr>
+            <a:spLocks noGrp="1"/>
+          </p:cNvSpPr>
+          <p:nvPr>
+            <p:ph type="sldNum" sz="quarter" idx="12"/>
+          </p:nvPr>
+        </p:nvSpPr>
+        <p:spPr/>
+        <p:txBody>
+          <a:bodyPr/>
+          <a:lstStyle/>
+          <a:p>
+            <a:fld id="{48F63A3B-78C7-47BE-AE5E-E10140E04643}" type="slidenum">
+              <a:rPr lang="en-US" smtClean="0"/>
+              <a:t>‹#›</a:t>
+            </a:fld>
+            <a:endParaRPr lang="en-US" dirty="0"/>
+          </a:p>
+        </p:txBody>
+      </p:sp>
+    </p:spTree>
+    <p:extLst>
+      <p:ext uri="{BB962C8B-B14F-4D97-AF65-F5344CB8AC3E}">
+        <p14:creationId xmlns:p14="http://schemas.microsoft.com/office/powerpoint/2010/main" val="814440096"/>
+      </p:ext>
+    </p:extLst>
+  </p:cSld>
+  <p:clrMapOvr>
+    <a:masterClrMapping/>
+  </p:clrMapOvr>
+  <p:hf sldNum="0" hdr="0" ftr="0" dt="0"/>
+</p:sldLayout>
+</file>
+
+<file path=ppt/slideLayouts/slideLayout9.xml><?xml version="1.0" encoding="utf-8"?>
+<p:sldLayout xmlns:a="http://schemas.openxmlformats.org/drawingml/2006/main" xmlns:r="http://schemas.openxmlformats.org/officeDocument/2006/relationships" xmlns:p="http://schemas.openxmlformats.org/presentationml/2006/main" type="picTx" preserve="1">
+  <p:cSld name="캡션 있는 그림">
+    <p:spTree>
+      <p:nvGrpSpPr>
+        <p:cNvPr id="1" name=""/>
+        <p:cNvGrpSpPr/>
+        <p:nvPr/>
+      </p:nvGrpSpPr>
+      <p:grpSpPr>
+        <a:xfrm>
+          <a:off x="0" y="0"/>
+          <a:ext cx="0" cy="0"/>
+          <a:chOff x="0" y="0"/>
+          <a:chExt cx="0" cy="0"/>
+        </a:xfrm>
+      </p:grpSpPr>
+      <p:sp>
+        <p:nvSpPr>
+          <p:cNvPr id="2" name="Title 1"/>
+          <p:cNvSpPr>
+            <a:spLocks noGrp="1"/>
+          </p:cNvSpPr>
+          <p:nvPr>
+            <p:ph type="title"/>
+          </p:nvPr>
+        </p:nvSpPr>
+        <p:spPr>
+          <a:xfrm>
+            <a:off x="1472909" y="2018348"/>
+            <a:ext cx="6896776" cy="7064216"/>
+          </a:xfrm>
+        </p:spPr>
+        <p:txBody>
+          <a:bodyPr anchor="b"/>
+          <a:lstStyle>
+            <a:lvl1pPr>
+              <a:defRPr sz="7483"/>
+            </a:lvl1pPr>
+          </a:lstStyle>
+          <a:p>
+            <a:r>
+              <a:rPr lang="ko-KR" altLang="en-US"/>
+              <a:t>마스터 제목 스타일 편집</a:t>
+            </a:r>
+            <a:endParaRPr lang="en-US" dirty="0"/>
+          </a:p>
+        </p:txBody>
+      </p:sp>
+      <p:sp>
+        <p:nvSpPr>
+          <p:cNvPr id="3" name="Picture Placeholder 2"/>
+          <p:cNvSpPr>
+            <a:spLocks noGrp="1" noChangeAspect="1"/>
+          </p:cNvSpPr>
+          <p:nvPr>
+            <p:ph type="pic" idx="1"/>
+          </p:nvPr>
+        </p:nvSpPr>
+        <p:spPr>
+          <a:xfrm>
+            <a:off x="9090826" y="4359077"/>
+            <a:ext cx="10825460" cy="21515024"/>
+          </a:xfrm>
+        </p:spPr>
+        <p:txBody>
+          <a:bodyPr anchor="t"/>
+          <a:lstStyle>
+            <a:lvl1pPr marL="0" indent="0">
+              <a:buNone/>
+              <a:defRPr sz="7483"/>
+            </a:lvl1pPr>
+            <a:lvl2pPr marL="1069162" indent="0">
+              <a:buNone/>
+              <a:defRPr sz="6548"/>
+            </a:lvl2pPr>
+            <a:lvl3pPr marL="2138324" indent="0">
+              <a:buNone/>
+              <a:defRPr sz="5612"/>
+            </a:lvl3pPr>
+            <a:lvl4pPr marL="3207487" indent="0">
+              <a:buNone/>
+              <a:defRPr sz="4677"/>
+            </a:lvl4pPr>
+            <a:lvl5pPr marL="4276649" indent="0">
+              <a:buNone/>
+              <a:defRPr sz="4677"/>
+            </a:lvl5pPr>
+            <a:lvl6pPr marL="5345811" indent="0">
+              <a:buNone/>
+              <a:defRPr sz="4677"/>
+            </a:lvl6pPr>
+            <a:lvl7pPr marL="6414973" indent="0">
+              <a:buNone/>
+              <a:defRPr sz="4677"/>
+            </a:lvl7pPr>
+            <a:lvl8pPr marL="7484135" indent="0">
+              <a:buNone/>
+              <a:defRPr sz="4677"/>
+            </a:lvl8pPr>
+            <a:lvl9pPr marL="8553298" indent="0">
+              <a:buNone/>
+              <a:defRPr sz="4677"/>
+            </a:lvl9pPr>
+          </a:lstStyle>
+          <a:p>
+            <a:r>
+              <a:rPr lang="ko-KR" altLang="en-US"/>
+              <a:t>그림을 추가하려면 아이콘을 클릭하십시오</a:t>
+            </a:r>
+            <a:endParaRPr lang="en-US" dirty="0"/>
+          </a:p>
+        </p:txBody>
+      </p:sp>
+      <p:sp>
+        <p:nvSpPr>
+          <p:cNvPr id="4" name="Text Placeholder 3"/>
+          <p:cNvSpPr>
+            <a:spLocks noGrp="1"/>
+          </p:cNvSpPr>
+          <p:nvPr>
+            <p:ph type="body" sz="half" idx="2"/>
+          </p:nvPr>
+        </p:nvSpPr>
+        <p:spPr>
+          <a:xfrm>
+            <a:off x="1472909" y="9082564"/>
+            <a:ext cx="6896776" cy="16826573"/>
+          </a:xfrm>
+        </p:spPr>
+        <p:txBody>
+          <a:bodyPr/>
+          <a:lstStyle>
+            <a:lvl1pPr marL="0" indent="0">
+              <a:buNone/>
+              <a:defRPr sz="3742"/>
+            </a:lvl1pPr>
+            <a:lvl2pPr marL="1069162" indent="0">
+              <a:buNone/>
+              <a:defRPr sz="3274"/>
+            </a:lvl2pPr>
+            <a:lvl3pPr marL="2138324" indent="0">
+              <a:buNone/>
+              <a:defRPr sz="2806"/>
+            </a:lvl3pPr>
+            <a:lvl4pPr marL="3207487" indent="0">
+              <a:buNone/>
+              <a:defRPr sz="2339"/>
+            </a:lvl4pPr>
+            <a:lvl5pPr marL="4276649" indent="0">
+              <a:buNone/>
+              <a:defRPr sz="2339"/>
+            </a:lvl5pPr>
+            <a:lvl6pPr marL="5345811" indent="0">
+              <a:buNone/>
+              <a:defRPr sz="2339"/>
+            </a:lvl6pPr>
+            <a:lvl7pPr marL="6414973" indent="0">
+              <a:buNone/>
+              <a:defRPr sz="2339"/>
+            </a:lvl7pPr>
+            <a:lvl8pPr marL="7484135" indent="0">
+              <a:buNone/>
+              <a:defRPr sz="2339"/>
+            </a:lvl8pPr>
+            <a:lvl9pPr marL="8553298" indent="0">
+              <a:buNone/>
+              <a:defRPr sz="2339"/>
+            </a:lvl9pPr>
+          </a:lstStyle>
+          <a:p>
+            <a:pPr lvl="0"/>
+            <a:r>
+              <a:rPr lang="ko-KR" altLang="en-US"/>
+              <a:t>마스터 텍스트 스타일을 편집하려면 클릭</a:t>
+            </a:r>
+          </a:p>
+        </p:txBody>
+      </p:sp>
+      <p:sp>
+        <p:nvSpPr>
+          <p:cNvPr id="5" name="Date Placeholder 4"/>
+          <p:cNvSpPr>
+            <a:spLocks noGrp="1"/>
+          </p:cNvSpPr>
+          <p:nvPr>
+            <p:ph type="dt" sz="half" idx="10"/>
+          </p:nvPr>
+        </p:nvSpPr>
+        <p:spPr/>
+        <p:txBody>
+          <a:bodyPr/>
+          <a:lstStyle/>
+          <a:p>
+            <a:fld id="{C764DE79-268F-4C1A-8933-263129D2AF90}" type="datetimeFigureOut">
+              <a:rPr lang="en-US" smtClean="0"/>
+              <a:t>10/31/2025</a:t>
+            </a:fld>
+            <a:endParaRPr lang="en-US" dirty="0"/>
+          </a:p>
+        </p:txBody>
+      </p:sp>
+      <p:sp>
+        <p:nvSpPr>
+          <p:cNvPr id="6" name="Footer Placeholder 5"/>
+          <p:cNvSpPr>
+            <a:spLocks noGrp="1"/>
+          </p:cNvSpPr>
+          <p:nvPr>
+            <p:ph type="ftr" sz="quarter" idx="11"/>
+          </p:nvPr>
+        </p:nvSpPr>
+        <p:spPr/>
+        <p:txBody>
+          <a:bodyPr/>
+          <a:lstStyle/>
+          <a:p>
+            <a:endParaRPr lang="en-US" dirty="0"/>
+          </a:p>
+        </p:txBody>
+      </p:sp>
+      <p:sp>
+        <p:nvSpPr>
+          <p:cNvPr id="7" name="Slide Number Placeholder 6"/>
+          <p:cNvSpPr>
+            <a:spLocks noGrp="1"/>
+          </p:cNvSpPr>
+          <p:nvPr>
+            <p:ph type="sldNum" sz="quarter" idx="12"/>
+          </p:nvPr>
+        </p:nvSpPr>
+        <p:spPr/>
+        <p:txBody>
+          <a:bodyPr/>
+          <a:lstStyle/>
+          <a:p>
+            <a:fld id="{48F63A3B-78C7-47BE-AE5E-E10140E04643}" type="slidenum">
+              <a:rPr lang="en-US" smtClean="0"/>
+              <a:t>‹#›</a:t>
+            </a:fld>
+            <a:endParaRPr lang="en-US" dirty="0"/>
+          </a:p>
+        </p:txBody>
+      </p:sp>
+    </p:spTree>
+    <p:extLst>
+      <p:ext uri="{BB962C8B-B14F-4D97-AF65-F5344CB8AC3E}">
+        <p14:creationId xmlns:p14="http://schemas.microsoft.com/office/powerpoint/2010/main" val="2859266882"/>
+      </p:ext>
+    </p:extLst>
+  </p:cSld>
+  <p:clrMapOvr>
+    <a:masterClrMapping/>
+  </p:clrMapOvr>
+  <p:hf sldNum="0" hdr="0" ftr="0" dt="0"/>
+</p:sldLayout>
+</file>
+
+<file path=ppt/slideMasters/slideMaster1.xml><?xml version="1.0" encoding="utf-8"?>
+<p:sldMaster xmlns:a="http://schemas.openxmlformats.org/drawingml/2006/main" xmlns:r="http://schemas.openxmlformats.org/officeDocument/2006/relationships" xmlns:p="http://schemas.openxmlformats.org/presentationml/2006/main">
+  <p:cSld>
+    <p:bg>
+      <p:bgRef idx="1001">
+        <a:schemeClr val="bg1"/>
+      </p:bgRef>
+    </p:bg>
+    <p:spTree>
+      <p:nvGrpSpPr>
+        <p:cNvPr id="1" name=""/>
+        <p:cNvGrpSpPr/>
+        <p:nvPr/>
+      </p:nvGrpSpPr>
+      <p:grpSpPr>
+        <a:xfrm>
+          <a:off x="0" y="0"/>
+          <a:ext cx="0" cy="0"/>
+          <a:chOff x="0" y="0"/>
+          <a:chExt cx="0" cy="0"/>
+        </a:xfrm>
+      </p:grpSpPr>
+      <p:sp>
+        <p:nvSpPr>
+          <p:cNvPr id="2" name="Title Placeholder 1"/>
+          <p:cNvSpPr>
+            <a:spLocks noGrp="1"/>
+          </p:cNvSpPr>
+          <p:nvPr>
+            <p:ph type="title"/>
+          </p:nvPr>
+        </p:nvSpPr>
+        <p:spPr>
+          <a:xfrm>
+            <a:off x="1470124" y="1611882"/>
+            <a:ext cx="18443377" cy="5851808"/>
+          </a:xfrm>
+          <a:prstGeom prst="rect">
+            <a:avLst/>
+          </a:prstGeom>
+        </p:spPr>
+        <p:txBody>
+          <a:bodyPr vert="horz" lIns="91440" tIns="45720" rIns="91440" bIns="45720" rtlCol="0" anchor="ctr">
+            <a:normAutofit/>
+          </a:bodyPr>
+          <a:lstStyle/>
+          <a:p>
+            <a:r>
+              <a:rPr lang="ko-KR" altLang="en-US"/>
+              <a:t>마스터 제목 스타일 편집</a:t>
+            </a:r>
+            <a:endParaRPr lang="en-US" dirty="0"/>
+          </a:p>
+        </p:txBody>
+      </p:sp>
+      <p:sp>
+        <p:nvSpPr>
+          <p:cNvPr id="3" name="Text Placeholder 2"/>
+          <p:cNvSpPr>
+            <a:spLocks noGrp="1"/>
+          </p:cNvSpPr>
+          <p:nvPr>
+            <p:ph type="body" idx="1"/>
+          </p:nvPr>
+        </p:nvSpPr>
+        <p:spPr>
+          <a:xfrm>
+            <a:off x="1470124" y="8059374"/>
+            <a:ext cx="18443377" cy="19209345"/>
+          </a:xfrm>
+          <a:prstGeom prst="rect">
+            <a:avLst/>
+          </a:prstGeom>
+        </p:spPr>
+        <p:txBody>
+          <a:bodyPr vert="horz" lIns="91440" tIns="45720" rIns="91440" bIns="45720" rtlCol="0">
+            <a:normAutofit/>
+          </a:bodyPr>
+          <a:lstStyle/>
+          <a:p>
+            <a:pPr lvl="0"/>
+            <a:r>
+              <a:rPr lang="ko-KR" altLang="en-US"/>
+              <a:t>마스터 텍스트 스타일을 편집하려면 클릭</a:t>
+            </a:r>
+          </a:p>
+          <a:p>
+            <a:pPr lvl="1"/>
+            <a:r>
+              <a:rPr lang="ko-KR" altLang="en-US"/>
+              <a:t>두 번째 수준</a:t>
+            </a:r>
+          </a:p>
+          <a:p>
+            <a:pPr lvl="2"/>
+            <a:r>
+              <a:rPr lang="ko-KR" altLang="en-US"/>
+              <a:t>세 번째 수준</a:t>
+            </a:r>
+          </a:p>
+          <a:p>
+            <a:pPr lvl="3"/>
+            <a:r>
+              <a:rPr lang="ko-KR" altLang="en-US"/>
+              <a:t>네 번째 수준</a:t>
+            </a:r>
+          </a:p>
+          <a:p>
+            <a:pPr lvl="4"/>
+            <a:r>
+              <a:rPr lang="ko-KR" altLang="en-US"/>
+              <a:t>다섯 번째 수준</a:t>
+            </a:r>
+            <a:endParaRPr lang="en-US" dirty="0"/>
+          </a:p>
+        </p:txBody>
+      </p:sp>
+      <p:sp>
+        <p:nvSpPr>
+          <p:cNvPr id="4" name="Date Placeholder 3"/>
+          <p:cNvSpPr>
+            <a:spLocks noGrp="1"/>
+          </p:cNvSpPr>
+          <p:nvPr>
+            <p:ph type="dt" sz="half" idx="2"/>
+          </p:nvPr>
+        </p:nvSpPr>
+        <p:spPr>
+          <a:xfrm>
+            <a:off x="1470124" y="28060644"/>
+            <a:ext cx="4811316" cy="1611875"/>
+          </a:xfrm>
+          <a:prstGeom prst="rect">
+            <a:avLst/>
+          </a:prstGeom>
+        </p:spPr>
+        <p:txBody>
+          <a:bodyPr vert="horz" lIns="91440" tIns="45720" rIns="91440" bIns="45720" rtlCol="0" anchor="ctr"/>
+          <a:lstStyle>
+            <a:lvl1pPr algn="l">
+              <a:defRPr sz="2806">
+                <a:solidFill>
+                  <a:schemeClr val="tx1">
+                    <a:tint val="75000"/>
+                  </a:schemeClr>
+                </a:solidFill>
+              </a:defRPr>
+            </a:lvl1pPr>
+          </a:lstStyle>
+          <a:p>
+            <a:fld id="{C764DE79-268F-4C1A-8933-263129D2AF90}" type="datetimeFigureOut">
+              <a:rPr lang="en-US" smtClean="0"/>
+              <a:t>10/31/2025</a:t>
+            </a:fld>
+            <a:endParaRPr lang="en-US" dirty="0"/>
+          </a:p>
+        </p:txBody>
+      </p:sp>
+      <p:sp>
+        <p:nvSpPr>
+          <p:cNvPr id="5" name="Footer Placeholder 4"/>
+          <p:cNvSpPr>
+            <a:spLocks noGrp="1"/>
+          </p:cNvSpPr>
+          <p:nvPr>
+            <p:ph type="ftr" sz="quarter" idx="3"/>
+          </p:nvPr>
+        </p:nvSpPr>
+        <p:spPr>
+          <a:xfrm>
+            <a:off x="7083326" y="28060644"/>
+            <a:ext cx="7216973" cy="1611875"/>
+          </a:xfrm>
+          <a:prstGeom prst="rect">
+            <a:avLst/>
+          </a:prstGeom>
+        </p:spPr>
+        <p:txBody>
+          <a:bodyPr vert="horz" lIns="91440" tIns="45720" rIns="91440" bIns="45720" rtlCol="0" anchor="ctr"/>
+          <a:lstStyle>
+            <a:lvl1pPr algn="ctr">
+              <a:defRPr sz="2806">
+                <a:solidFill>
+                  <a:schemeClr val="tx1">
+                    <a:tint val="75000"/>
+                  </a:schemeClr>
+                </a:solidFill>
+              </a:defRPr>
+            </a:lvl1pPr>
+          </a:lstStyle>
+          <a:p>
+            <a:endParaRPr lang="en-US" dirty="0"/>
+          </a:p>
+        </p:txBody>
+      </p:sp>
+      <p:sp>
+        <p:nvSpPr>
+          <p:cNvPr id="6" name="Slide Number Placeholder 5"/>
+          <p:cNvSpPr>
+            <a:spLocks noGrp="1"/>
+          </p:cNvSpPr>
+          <p:nvPr>
+            <p:ph type="sldNum" sz="quarter" idx="4"/>
+          </p:nvPr>
+        </p:nvSpPr>
+        <p:spPr>
+          <a:xfrm>
+            <a:off x="15102185" y="28060644"/>
+            <a:ext cx="4811316" cy="1611875"/>
+          </a:xfrm>
+          <a:prstGeom prst="rect">
+            <a:avLst/>
+          </a:prstGeom>
+        </p:spPr>
+        <p:txBody>
+          <a:bodyPr vert="horz" lIns="91440" tIns="45720" rIns="91440" bIns="45720" rtlCol="0" anchor="ctr"/>
+          <a:lstStyle>
+            <a:lvl1pPr algn="r">
+              <a:defRPr sz="2806">
+                <a:solidFill>
+                  <a:schemeClr val="tx1">
+                    <a:tint val="75000"/>
+                  </a:schemeClr>
+                </a:solidFill>
+              </a:defRPr>
+            </a:lvl1pPr>
+          </a:lstStyle>
+          <a:p>
+            <a:fld id="{48F63A3B-78C7-47BE-AE5E-E10140E04643}" type="slidenum">
+              <a:rPr lang="en-US" smtClean="0"/>
+              <a:t>‹#›</a:t>
+            </a:fld>
+            <a:endParaRPr lang="en-US" dirty="0"/>
+          </a:p>
+        </p:txBody>
+      </p:sp>
+    </p:spTree>
+    <p:extLst>
+      <p:ext uri="{BB962C8B-B14F-4D97-AF65-F5344CB8AC3E}">
+        <p14:creationId xmlns:p14="http://schemas.microsoft.com/office/powerpoint/2010/main" val="310262359"/>
+      </p:ext>
+    </p:extLst>
   </p:cSld>
   <p:clrMap bg1="lt1" tx1="dk1" bg2="lt2" tx2="dk2" accent1="accent1" accent2="accent2" accent3="accent3" accent4="accent4" accent5="accent5" accent6="accent6" hlink="hlink" folHlink="folHlink"/>
   <p:sldLayoutIdLst>
-    <p:sldLayoutId id="2147483649" r:id="rId1"/>
+    <p:sldLayoutId id="2147483664" r:id="rId1"/>
+    <p:sldLayoutId id="2147483665" r:id="rId2"/>
+    <p:sldLayoutId id="2147483666" r:id="rId3"/>
+    <p:sldLayoutId id="2147483667" r:id="rId4"/>
+    <p:sldLayoutId id="2147483668" r:id="rId5"/>
+    <p:sldLayoutId id="2147483669" r:id="rId6"/>
+    <p:sldLayoutId id="2147483670" r:id="rId7"/>
+    <p:sldLayoutId id="2147483671" r:id="rId8"/>
+    <p:sldLayoutId id="2147483672" r:id="rId9"/>
+    <p:sldLayoutId id="2147483673" r:id="rId10"/>
+    <p:sldLayoutId id="2147483674" r:id="rId11"/>
+    <p:sldLayoutId id="2147483675" r:id="rId12"/>
   </p:sldLayoutIdLst>
   <p:hf sldNum="0" hdr="0" ftr="0" dt="0"/>
   <p:txStyles>
     <p:titleStyle>
-      <a:lvl1pPr algn="ctr" defTabSz="914400" rtl="0" eaLnBrk="1" latinLnBrk="0" hangingPunct="1">
+      <a:lvl1pPr algn="l" defTabSz="2138324" rtl="0" eaLnBrk="1" latinLnBrk="1" hangingPunct="1">
+        <a:lnSpc>
+          <a:spcPct val="90000"/>
+        </a:lnSpc>
         <a:spcBef>
           <a:spcPct val="0"/>
         </a:spcBef>
         <a:buNone/>
-        <a:defRPr sz="4400" kern="1200">
+        <a:defRPr sz="10289" kern="1200">
           <a:solidFill>
             <a:schemeClr val="tx1"/>
           </a:solidFill>
@@ -616,13 +2952,16 @@
       </a:lvl1pPr>
     </p:titleStyle>
     <p:bodyStyle>
-      <a:lvl1pPr marL="342900" indent="-342900" algn="l" defTabSz="914400" rtl="0" eaLnBrk="1" latinLnBrk="0" hangingPunct="1">
+      <a:lvl1pPr marL="534581" indent="-534581" algn="l" defTabSz="2138324" rtl="0" eaLnBrk="1" latinLnBrk="1" hangingPunct="1">
+        <a:lnSpc>
+          <a:spcPct val="90000"/>
+        </a:lnSpc>
         <a:spcBef>
-          <a:spcPct val="20000"/>
+          <a:spcPts val="2339"/>
         </a:spcBef>
-        <a:buFont typeface="Arial" pitchFamily="34" charset="0"/>
+        <a:buFont typeface="Arial" panose="020B0604020202020204" pitchFamily="34" charset="0"/>
         <a:buChar char="•"/>
-        <a:defRPr sz="3200" kern="1200">
+        <a:defRPr sz="6548" kern="1200">
           <a:solidFill>
             <a:schemeClr val="tx1"/>
           </a:solidFill>
@@ -631,13 +2970,16 @@
           <a:cs typeface="+mn-cs"/>
         </a:defRPr>
       </a:lvl1pPr>
-      <a:lvl2pPr marL="742950" indent="-285750" algn="l" defTabSz="914400" rtl="0" eaLnBrk="1" latinLnBrk="0" hangingPunct="1">
+      <a:lvl2pPr marL="1603743" indent="-534581" algn="l" defTabSz="2138324" rtl="0" eaLnBrk="1" latinLnBrk="1" hangingPunct="1">
+        <a:lnSpc>
+          <a:spcPct val="90000"/>
+        </a:lnSpc>
         <a:spcBef>
-          <a:spcPct val="20000"/>
+          <a:spcPts val="1169"/>
         </a:spcBef>
-        <a:buFont typeface="Arial" pitchFamily="34" charset="0"/>
-        <a:buChar char="–"/>
-        <a:defRPr sz="2800" kern="1200">
+        <a:buFont typeface="Arial" panose="020B0604020202020204" pitchFamily="34" charset="0"/>
+        <a:buChar char="•"/>
+        <a:defRPr sz="5612" kern="1200">
           <a:solidFill>
             <a:schemeClr val="tx1"/>
           </a:solidFill>
@@ -646,13 +2988,16 @@
           <a:cs typeface="+mn-cs"/>
         </a:defRPr>
       </a:lvl2pPr>
-      <a:lvl3pPr marL="1143000" indent="-228600" algn="l" defTabSz="914400" rtl="0" eaLnBrk="1" latinLnBrk="0" hangingPunct="1">
+      <a:lvl3pPr marL="2672906" indent="-534581" algn="l" defTabSz="2138324" rtl="0" eaLnBrk="1" latinLnBrk="1" hangingPunct="1">
+        <a:lnSpc>
+          <a:spcPct val="90000"/>
+        </a:lnSpc>
         <a:spcBef>
-          <a:spcPct val="20000"/>
+          <a:spcPts val="1169"/>
         </a:spcBef>
-        <a:buFont typeface="Arial" pitchFamily="34" charset="0"/>
+        <a:buFont typeface="Arial" panose="020B0604020202020204" pitchFamily="34" charset="0"/>
         <a:buChar char="•"/>
-        <a:defRPr sz="2400" kern="1200">
+        <a:defRPr sz="4677" kern="1200">
           <a:solidFill>
             <a:schemeClr val="tx1"/>
           </a:solidFill>
@@ -661,13 +3006,16 @@
           <a:cs typeface="+mn-cs"/>
         </a:defRPr>
       </a:lvl3pPr>
-      <a:lvl4pPr marL="1600200" indent="-228600" algn="l" defTabSz="914400" rtl="0" eaLnBrk="1" latinLnBrk="0" hangingPunct="1">
+      <a:lvl4pPr marL="3742068" indent="-534581" algn="l" defTabSz="2138324" rtl="0" eaLnBrk="1" latinLnBrk="1" hangingPunct="1">
+        <a:lnSpc>
+          <a:spcPct val="90000"/>
+        </a:lnSpc>
         <a:spcBef>
-          <a:spcPct val="20000"/>
+          <a:spcPts val="1169"/>
         </a:spcBef>
-        <a:buFont typeface="Arial" pitchFamily="34" charset="0"/>
-        <a:buChar char="–"/>
-        <a:defRPr sz="2000" kern="1200">
+        <a:buFont typeface="Arial" panose="020B0604020202020204" pitchFamily="34" charset="0"/>
+        <a:buChar char="•"/>
+        <a:defRPr sz="4209" kern="1200">
           <a:solidFill>
             <a:schemeClr val="tx1"/>
           </a:solidFill>
@@ -676,13 +3024,16 @@
           <a:cs typeface="+mn-cs"/>
         </a:defRPr>
       </a:lvl4pPr>
-      <a:lvl5pPr marL="2057400" indent="-228600" algn="l" defTabSz="914400" rtl="0" eaLnBrk="1" latinLnBrk="0" hangingPunct="1">
+      <a:lvl5pPr marL="4811230" indent="-534581" algn="l" defTabSz="2138324" rtl="0" eaLnBrk="1" latinLnBrk="1" hangingPunct="1">
+        <a:lnSpc>
+          <a:spcPct val="90000"/>
+        </a:lnSpc>
         <a:spcBef>
-          <a:spcPct val="20000"/>
+          <a:spcPts val="1169"/>
         </a:spcBef>
-        <a:buFont typeface="Arial" pitchFamily="34" charset="0"/>
-        <a:buChar char="»"/>
-        <a:defRPr sz="2000" kern="1200">
+        <a:buFont typeface="Arial" panose="020B0604020202020204" pitchFamily="34" charset="0"/>
+        <a:buChar char="•"/>
+        <a:defRPr sz="4209" kern="1200">
           <a:solidFill>
             <a:schemeClr val="tx1"/>
           </a:solidFill>
@@ -691,13 +3042,16 @@
           <a:cs typeface="+mn-cs"/>
         </a:defRPr>
       </a:lvl5pPr>
-      <a:lvl6pPr marL="2514600" indent="-228600" algn="l" defTabSz="914400" rtl="0" eaLnBrk="1" latinLnBrk="0" hangingPunct="1">
+      <a:lvl6pPr marL="5880392" indent="-534581" algn="l" defTabSz="2138324" rtl="0" eaLnBrk="1" latinLnBrk="1" hangingPunct="1">
+        <a:lnSpc>
+          <a:spcPct val="90000"/>
+        </a:lnSpc>
         <a:spcBef>
-          <a:spcPct val="20000"/>
+          <a:spcPts val="1169"/>
         </a:spcBef>
-        <a:buFont typeface="Arial" pitchFamily="34" charset="0"/>
+        <a:buFont typeface="Arial" panose="020B0604020202020204" pitchFamily="34" charset="0"/>
         <a:buChar char="•"/>
-        <a:defRPr sz="2000" kern="1200">
+        <a:defRPr sz="4209" kern="1200">
           <a:solidFill>
             <a:schemeClr val="tx1"/>
           </a:solidFill>
@@ -706,13 +3060,16 @@
           <a:cs typeface="+mn-cs"/>
         </a:defRPr>
       </a:lvl6pPr>
-      <a:lvl7pPr marL="2971800" indent="-228600" algn="l" defTabSz="914400" rtl="0" eaLnBrk="1" latinLnBrk="0" hangingPunct="1">
+      <a:lvl7pPr marL="6949554" indent="-534581" algn="l" defTabSz="2138324" rtl="0" eaLnBrk="1" latinLnBrk="1" hangingPunct="1">
+        <a:lnSpc>
+          <a:spcPct val="90000"/>
+        </a:lnSpc>
         <a:spcBef>
-          <a:spcPct val="20000"/>
+          <a:spcPts val="1169"/>
         </a:spcBef>
-        <a:buFont typeface="Arial" pitchFamily="34" charset="0"/>
+        <a:buFont typeface="Arial" panose="020B0604020202020204" pitchFamily="34" charset="0"/>
         <a:buChar char="•"/>
-        <a:defRPr sz="2000" kern="1200">
+        <a:defRPr sz="4209" kern="1200">
           <a:solidFill>
             <a:schemeClr val="tx1"/>
           </a:solidFill>
@@ -721,13 +3078,16 @@
           <a:cs typeface="+mn-cs"/>
         </a:defRPr>
       </a:lvl7pPr>
-      <a:lvl8pPr marL="3429000" indent="-228600" algn="l" defTabSz="914400" rtl="0" eaLnBrk="1" latinLnBrk="0" hangingPunct="1">
+      <a:lvl8pPr marL="8018717" indent="-534581" algn="l" defTabSz="2138324" rtl="0" eaLnBrk="1" latinLnBrk="1" hangingPunct="1">
+        <a:lnSpc>
+          <a:spcPct val="90000"/>
+        </a:lnSpc>
         <a:spcBef>
-          <a:spcPct val="20000"/>
+          <a:spcPts val="1169"/>
         </a:spcBef>
-        <a:buFont typeface="Arial" pitchFamily="34" charset="0"/>
+        <a:buFont typeface="Arial" panose="020B0604020202020204" pitchFamily="34" charset="0"/>
         <a:buChar char="•"/>
-        <a:defRPr sz="2000" kern="1200">
+        <a:defRPr sz="4209" kern="1200">
           <a:solidFill>
             <a:schemeClr val="tx1"/>
           </a:solidFill>
@@ -736,13 +3096,16 @@
           <a:cs typeface="+mn-cs"/>
         </a:defRPr>
       </a:lvl8pPr>
-      <a:lvl9pPr marL="3886200" indent="-228600" algn="l" defTabSz="914400" rtl="0" eaLnBrk="1" latinLnBrk="0" hangingPunct="1">
+      <a:lvl9pPr marL="9087879" indent="-534581" algn="l" defTabSz="2138324" rtl="0" eaLnBrk="1" latinLnBrk="1" hangingPunct="1">
+        <a:lnSpc>
+          <a:spcPct val="90000"/>
+        </a:lnSpc>
         <a:spcBef>
-          <a:spcPct val="20000"/>
+          <a:spcPts val="1169"/>
         </a:spcBef>
-        <a:buFont typeface="Arial" pitchFamily="34" charset="0"/>
+        <a:buFont typeface="Arial" panose="020B0604020202020204" pitchFamily="34" charset="0"/>
         <a:buChar char="•"/>
-        <a:defRPr sz="2000" kern="1200">
+        <a:defRPr sz="4209" kern="1200">
           <a:solidFill>
             <a:schemeClr val="tx1"/>
           </a:solidFill>
@@ -756,8 +3119,8 @@
       <a:defPPr>
         <a:defRPr lang="en-US"/>
       </a:defPPr>
-      <a:lvl1pPr marL="0" algn="l" defTabSz="914400" rtl="0" eaLnBrk="1" latinLnBrk="0" hangingPunct="1">
-        <a:defRPr sz="1800" kern="1200">
+      <a:lvl1pPr marL="0" algn="l" defTabSz="2138324" rtl="0" eaLnBrk="1" latinLnBrk="1" hangingPunct="1">
+        <a:defRPr sz="4209" kern="1200">
           <a:solidFill>
             <a:schemeClr val="tx1"/>
           </a:solidFill>
@@ -766,8 +3129,8 @@
           <a:cs typeface="+mn-cs"/>
         </a:defRPr>
       </a:lvl1pPr>
-      <a:lvl2pPr marL="457200" algn="l" defTabSz="914400" rtl="0" eaLnBrk="1" latinLnBrk="0" hangingPunct="1">
-        <a:defRPr sz="1800" kern="1200">
+      <a:lvl2pPr marL="1069162" algn="l" defTabSz="2138324" rtl="0" eaLnBrk="1" latinLnBrk="1" hangingPunct="1">
+        <a:defRPr sz="4209" kern="1200">
           <a:solidFill>
             <a:schemeClr val="tx1"/>
           </a:solidFill>
@@ -776,8 +3139,8 @@
           <a:cs typeface="+mn-cs"/>
         </a:defRPr>
       </a:lvl2pPr>
-      <a:lvl3pPr marL="914400" algn="l" defTabSz="914400" rtl="0" eaLnBrk="1" latinLnBrk="0" hangingPunct="1">
-        <a:defRPr sz="1800" kern="1200">
+      <a:lvl3pPr marL="2138324" algn="l" defTabSz="2138324" rtl="0" eaLnBrk="1" latinLnBrk="1" hangingPunct="1">
+        <a:defRPr sz="4209" kern="1200">
           <a:solidFill>
             <a:schemeClr val="tx1"/>
           </a:solidFill>
@@ -786,8 +3149,8 @@
           <a:cs typeface="+mn-cs"/>
         </a:defRPr>
       </a:lvl3pPr>
-      <a:lvl4pPr marL="1371600" algn="l" defTabSz="914400" rtl="0" eaLnBrk="1" latinLnBrk="0" hangingPunct="1">
-        <a:defRPr sz="1800" kern="1200">
+      <a:lvl4pPr marL="3207487" algn="l" defTabSz="2138324" rtl="0" eaLnBrk="1" latinLnBrk="1" hangingPunct="1">
+        <a:defRPr sz="4209" kern="1200">
           <a:solidFill>
             <a:schemeClr val="tx1"/>
           </a:solidFill>
@@ -796,8 +3159,8 @@
           <a:cs typeface="+mn-cs"/>
         </a:defRPr>
       </a:lvl4pPr>
-      <a:lvl5pPr marL="1828800" algn="l" defTabSz="914400" rtl="0" eaLnBrk="1" latinLnBrk="0" hangingPunct="1">
-        <a:defRPr sz="1800" kern="1200">
+      <a:lvl5pPr marL="4276649" algn="l" defTabSz="2138324" rtl="0" eaLnBrk="1" latinLnBrk="1" hangingPunct="1">
+        <a:defRPr sz="4209" kern="1200">
           <a:solidFill>
             <a:schemeClr val="tx1"/>
           </a:solidFill>
@@ -806,8 +3169,8 @@
           <a:cs typeface="+mn-cs"/>
         </a:defRPr>
       </a:lvl5pPr>
-      <a:lvl6pPr marL="2286000" algn="l" defTabSz="914400" rtl="0" eaLnBrk="1" latinLnBrk="0" hangingPunct="1">
-        <a:defRPr sz="1800" kern="1200">
+      <a:lvl6pPr marL="5345811" algn="l" defTabSz="2138324" rtl="0" eaLnBrk="1" latinLnBrk="1" hangingPunct="1">
+        <a:defRPr sz="4209" kern="1200">
           <a:solidFill>
             <a:schemeClr val="tx1"/>
           </a:solidFill>
@@ -816,8 +3179,8 @@
           <a:cs typeface="+mn-cs"/>
         </a:defRPr>
       </a:lvl6pPr>
-      <a:lvl7pPr marL="2743200" algn="l" defTabSz="914400" rtl="0" eaLnBrk="1" latinLnBrk="0" hangingPunct="1">
-        <a:defRPr sz="1800" kern="1200">
+      <a:lvl7pPr marL="6414973" algn="l" defTabSz="2138324" rtl="0" eaLnBrk="1" latinLnBrk="1" hangingPunct="1">
+        <a:defRPr sz="4209" kern="1200">
           <a:solidFill>
             <a:schemeClr val="tx1"/>
           </a:solidFill>
@@ -826,8 +3189,8 @@
           <a:cs typeface="+mn-cs"/>
         </a:defRPr>
       </a:lvl7pPr>
-      <a:lvl8pPr marL="3200400" algn="l" defTabSz="914400" rtl="0" eaLnBrk="1" latinLnBrk="0" hangingPunct="1">
-        <a:defRPr sz="1800" kern="1200">
+      <a:lvl8pPr marL="7484135" algn="l" defTabSz="2138324" rtl="0" eaLnBrk="1" latinLnBrk="1" hangingPunct="1">
+        <a:defRPr sz="4209" kern="1200">
           <a:solidFill>
             <a:schemeClr val="tx1"/>
           </a:solidFill>
@@ -836,8 +3199,8 @@
           <a:cs typeface="+mn-cs"/>
         </a:defRPr>
       </a:lvl8pPr>
-      <a:lvl9pPr marL="3657600" algn="l" defTabSz="914400" rtl="0" eaLnBrk="1" latinLnBrk="0" hangingPunct="1">
-        <a:defRPr sz="1800" kern="1200">
+      <a:lvl9pPr marL="8553298" algn="l" defTabSz="2138324" rtl="0" eaLnBrk="1" latinLnBrk="1" hangingPunct="1">
+        <a:defRPr sz="4209" kern="1200">
           <a:solidFill>
             <a:schemeClr val="tx1"/>
           </a:solidFill>
@@ -870,22 +3233,22 @@
       </p:grpSpPr>
       <p:pic>
         <p:nvPicPr>
-          <p:cNvPr id="2" name="Image 0" descr="preencoded.png">    </p:cNvPr>
+          <p:cNvPr id="2" name="Image 0" descr="preencoded.png"/>
           <p:cNvPicPr>
             <a:picLocks noChangeAspect="1"/>
           </p:cNvPicPr>
           <p:nvPr/>
         </p:nvPicPr>
         <p:blipFill>
-          <a:blip r:embed="rId1"/>
+          <a:blip r:embed="rId3"/>
           <a:stretch>
             <a:fillRect/>
           </a:stretch>
         </p:blipFill>
         <p:spPr>
           <a:xfrm>
-            <a:off x="0" y="0"/>
-            <a:ext cx="15398496" cy="21799296"/>
+            <a:off x="59172" y="-1"/>
+            <a:ext cx="21265281" cy="30275213"/>
           </a:xfrm>
           <a:prstGeom prst="rect">
             <a:avLst/>
@@ -901,9 +3264,9 @@
 </file>
 
 <file path=ppt/theme/theme1.xml><?xml version="1.0" encoding="utf-8"?>
-<a:theme xmlns:a="http://schemas.openxmlformats.org/drawingml/2006/main" name="Office Theme">
+<a:theme xmlns:a="http://schemas.openxmlformats.org/drawingml/2006/main" name="Office 2013 - 2022 테마">
   <a:themeElements>
-    <a:clrScheme name="Office">
+    <a:clrScheme name="Office 2013 - 2022 테마">
       <a:dk1>
         <a:sysClr val="windowText" lastClr="000000"/>
       </a:dk1>
@@ -941,7 +3304,7 @@
         <a:srgbClr val="954F72"/>
       </a:folHlink>
     </a:clrScheme>
-    <a:fontScheme name="Office">
+    <a:fontScheme name="Office 2013 - 2022 테마">
       <a:majorFont>
         <a:latin typeface="Calibri Light" panose="020F0302020204030204"/>
         <a:ea typeface=""/>
@@ -976,23 +3339,6 @@
         <a:font script="Viet" typeface="Times New Roman"/>
         <a:font script="Uigh" typeface="Microsoft Uighur"/>
         <a:font script="Geor" typeface="Sylfaen"/>
-        <a:font script="Armn" typeface="Arial"/>
-        <a:font script="Bugi" typeface="Leelawadee UI"/>
-        <a:font script="Bopo" typeface="Microsoft JhengHei"/>
-        <a:font script="Java" typeface="Javanese Text"/>
-        <a:font script="Lisu" typeface="Segoe UI"/>
-        <a:font script="Mymr" typeface="Myanmar Text"/>
-        <a:font script="Nkoo" typeface="Ebrima"/>
-        <a:font script="Olck" typeface="Nirmala UI"/>
-        <a:font script="Osma" typeface="Ebrima"/>
-        <a:font script="Phag" typeface="Phagspa"/>
-        <a:font script="Syrn" typeface="Estrangelo Edessa"/>
-        <a:font script="Syrj" typeface="Estrangelo Edessa"/>
-        <a:font script="Syre" typeface="Estrangelo Edessa"/>
-        <a:font script="Sora" typeface="Nirmala UI"/>
-        <a:font script="Tale" typeface="Microsoft Tai Le"/>
-        <a:font script="Talu" typeface="Microsoft New Tai Lue"/>
-        <a:font script="Tfng" typeface="Ebrima"/>
       </a:majorFont>
       <a:minorFont>
         <a:latin typeface="Calibri" panose="020F0502020204030204"/>
@@ -1028,26 +3374,9 @@
         <a:font script="Viet" typeface="Arial"/>
         <a:font script="Uigh" typeface="Microsoft Uighur"/>
         <a:font script="Geor" typeface="Sylfaen"/>
-        <a:font script="Armn" typeface="Arial"/>
-        <a:font script="Bugi" typeface="Leelawadee UI"/>
-        <a:font script="Bopo" typeface="Microsoft JhengHei"/>
-        <a:font script="Java" typeface="Javanese Text"/>
-        <a:font script="Lisu" typeface="Segoe UI"/>
-        <a:font script="Mymr" typeface="Myanmar Text"/>
-        <a:font script="Nkoo" typeface="Ebrima"/>
-        <a:font script="Olck" typeface="Nirmala UI"/>
-        <a:font script="Osma" typeface="Ebrima"/>
-        <a:font script="Phag" typeface="Phagspa"/>
-        <a:font script="Syrn" typeface="Estrangelo Edessa"/>
-        <a:font script="Syrj" typeface="Estrangelo Edessa"/>
-        <a:font script="Syre" typeface="Estrangelo Edessa"/>
-        <a:font script="Sora" typeface="Nirmala UI"/>
-        <a:font script="Tale" typeface="Microsoft Tai Le"/>
-        <a:font script="Talu" typeface="Microsoft New Tai Lue"/>
-        <a:font script="Tfng" typeface="Ebrima"/>
       </a:minorFont>
     </a:fontScheme>
-    <a:fmtScheme name="Office">
+    <a:fmtScheme name="Office 2013 - 2022 테마">
       <a:fillStyleLst>
         <a:solidFill>
           <a:schemeClr val="phClr"/>
@@ -1189,7 +3518,322 @@
   <a:extraClrSchemeLst/>
   <a:extLst>
     <a:ext uri="{05A4C25C-085E-4340-85A3-A5531E510DB2}">
-      <thm15:themeFamily xmlns:thm15="http://schemas.microsoft.com/office/thememl/2012/main" name="Office Theme" id="{62F939B6-93AF-4DB8-9C6B-D6C7DFDC589F}" vid="{4A3C46E8-61CC-4603-A589-7422A47A8E4A}"/>
+      <thm15:themeFamily xmlns:thm15="http://schemas.microsoft.com/office/thememl/2012/main" name="Office 2013 - 2022 Theme" id="{62F939B6-93AF-4DB8-9C6B-D6C7DFDC589F}" vid="{4A3C46E8-61CC-4603-A589-7422A47A8E4A}"/>
+    </a:ext>
+  </a:extLst>
+</a:theme>
+</file>
+
+<file path=ppt/theme/theme2.xml><?xml version="1.0" encoding="utf-8"?>
+<a:theme xmlns:a="http://schemas.openxmlformats.org/drawingml/2006/main" name="Office 테마">
+  <a:themeElements>
+    <a:clrScheme name="Office">
+      <a:dk1>
+        <a:sysClr val="windowText" lastClr="000000"/>
+      </a:dk1>
+      <a:lt1>
+        <a:sysClr val="window" lastClr="FFFFFF"/>
+      </a:lt1>
+      <a:dk2>
+        <a:srgbClr val="0E2841"/>
+      </a:dk2>
+      <a:lt2>
+        <a:srgbClr val="E8E8E8"/>
+      </a:lt2>
+      <a:accent1>
+        <a:srgbClr val="156082"/>
+      </a:accent1>
+      <a:accent2>
+        <a:srgbClr val="E97132"/>
+      </a:accent2>
+      <a:accent3>
+        <a:srgbClr val="196B24"/>
+      </a:accent3>
+      <a:accent4>
+        <a:srgbClr val="0F9ED5"/>
+      </a:accent4>
+      <a:accent5>
+        <a:srgbClr val="A02B93"/>
+      </a:accent5>
+      <a:accent6>
+        <a:srgbClr val="4EA72E"/>
+      </a:accent6>
+      <a:hlink>
+        <a:srgbClr val="467886"/>
+      </a:hlink>
+      <a:folHlink>
+        <a:srgbClr val="96607D"/>
+      </a:folHlink>
+    </a:clrScheme>
+    <a:fontScheme name="Office">
+      <a:majorFont>
+        <a:latin typeface="맑은 고딕" panose="02110004020202020204"/>
+        <a:ea typeface=""/>
+        <a:cs typeface=""/>
+        <a:font script="Jpan" typeface="游ゴシック Light"/>
+        <a:font script="Hang" typeface="맑은 고딕"/>
+        <a:font script="Hans" typeface="等线 Light"/>
+        <a:font script="Hant" typeface="新細明體"/>
+        <a:font script="Arab" typeface="Times New Roman"/>
+        <a:font script="Hebr" typeface="Times New Roman"/>
+        <a:font script="Thai" typeface="Angsana New"/>
+        <a:font script="Ethi" typeface="Nyala"/>
+        <a:font script="Beng" typeface="Vrinda"/>
+        <a:font script="Gujr" typeface="Shruti"/>
+        <a:font script="Khmr" typeface="MoolBoran"/>
+        <a:font script="Knda" typeface="Tunga"/>
+        <a:font script="Guru" typeface="Raavi"/>
+        <a:font script="Cans" typeface="Euphemia"/>
+        <a:font script="Cher" typeface="Plantagenet Cherokee"/>
+        <a:font script="Yiii" typeface="Microsoft Yi Baiti"/>
+        <a:font script="Tibt" typeface="Microsoft Himalaya"/>
+        <a:font script="Thaa" typeface="MV Boli"/>
+        <a:font script="Deva" typeface="Mangal"/>
+        <a:font script="Telu" typeface="Gautami"/>
+        <a:font script="Taml" typeface="Latha"/>
+        <a:font script="Syrc" typeface="Estrangelo Edessa"/>
+        <a:font script="Orya" typeface="Kalinga"/>
+        <a:font script="Mlym" typeface="Kartika"/>
+        <a:font script="Laoo" typeface="DokChampa"/>
+        <a:font script="Sinh" typeface="Iskoola Pota"/>
+        <a:font script="Mong" typeface="Mongolian Baiti"/>
+        <a:font script="Viet" typeface="Times New Roman"/>
+        <a:font script="Uigh" typeface="Microsoft Uighur"/>
+        <a:font script="Geor" typeface="Sylfaen"/>
+        <a:font script="Armn" typeface="Arial"/>
+        <a:font script="Bugi" typeface="Leelawadee UI"/>
+        <a:font script="Bopo" typeface="Microsoft JhengHei"/>
+        <a:font script="Java" typeface="Javanese Text"/>
+        <a:font script="Lisu" typeface="Segoe UI"/>
+        <a:font script="Mymr" typeface="Myanmar Text"/>
+        <a:font script="Nkoo" typeface="Ebrima"/>
+        <a:font script="Olck" typeface="Nirmala UI"/>
+        <a:font script="Osma" typeface="Ebrima"/>
+        <a:font script="Phag" typeface="Phagspa"/>
+        <a:font script="Syrn" typeface="Estrangelo Edessa"/>
+        <a:font script="Syrj" typeface="Estrangelo Edessa"/>
+        <a:font script="Syre" typeface="Estrangelo Edessa"/>
+        <a:font script="Sora" typeface="Nirmala UI"/>
+        <a:font script="Tale" typeface="Microsoft Tai Le"/>
+        <a:font script="Talu" typeface="Microsoft New Tai Lue"/>
+        <a:font script="Tfng" typeface="Ebrima"/>
+      </a:majorFont>
+      <a:minorFont>
+        <a:latin typeface="맑은 고딕" panose="02110004020202020204"/>
+        <a:ea typeface=""/>
+        <a:cs typeface=""/>
+        <a:font script="Jpan" typeface="游ゴシック"/>
+        <a:font script="Hang" typeface="맑은 고딕"/>
+        <a:font script="Hans" typeface="等线"/>
+        <a:font script="Hant" typeface="新細明體"/>
+        <a:font script="Arab" typeface="Arial"/>
+        <a:font script="Hebr" typeface="Arial"/>
+        <a:font script="Thai" typeface="Cordia New"/>
+        <a:font script="Ethi" typeface="Nyala"/>
+        <a:font script="Beng" typeface="Vrinda"/>
+        <a:font script="Gujr" typeface="Shruti"/>
+        <a:font script="Khmr" typeface="DaunPenh"/>
+        <a:font script="Knda" typeface="Tunga"/>
+        <a:font script="Guru" typeface="Raavi"/>
+        <a:font script="Cans" typeface="Euphemia"/>
+        <a:font script="Cher" typeface="Plantagenet Cherokee"/>
+        <a:font script="Yiii" typeface="Microsoft Yi Baiti"/>
+        <a:font script="Tibt" typeface="Microsoft Himalaya"/>
+        <a:font script="Thaa" typeface="MV Boli"/>
+        <a:font script="Deva" typeface="Mangal"/>
+        <a:font script="Telu" typeface="Gautami"/>
+        <a:font script="Taml" typeface="Latha"/>
+        <a:font script="Syrc" typeface="Estrangelo Edessa"/>
+        <a:font script="Orya" typeface="Kalinga"/>
+        <a:font script="Mlym" typeface="Kartika"/>
+        <a:font script="Laoo" typeface="DokChampa"/>
+        <a:font script="Sinh" typeface="Iskoola Pota"/>
+        <a:font script="Mong" typeface="Mongolian Baiti"/>
+        <a:font script="Viet" typeface="Arial"/>
+        <a:font script="Uigh" typeface="Microsoft Uighur"/>
+        <a:font script="Geor" typeface="Sylfaen"/>
+        <a:font script="Armn" typeface="Arial"/>
+        <a:font script="Bugi" typeface="Leelawadee UI"/>
+        <a:font script="Bopo" typeface="Microsoft JhengHei"/>
+        <a:font script="Java" typeface="Javanese Text"/>
+        <a:font script="Lisu" typeface="Segoe UI"/>
+        <a:font script="Mymr" typeface="Myanmar Text"/>
+        <a:font script="Nkoo" typeface="Ebrima"/>
+        <a:font script="Olck" typeface="Nirmala UI"/>
+        <a:font script="Osma" typeface="Ebrima"/>
+        <a:font script="Phag" typeface="Phagspa"/>
+        <a:font script="Syrn" typeface="Estrangelo Edessa"/>
+        <a:font script="Syrj" typeface="Estrangelo Edessa"/>
+        <a:font script="Syre" typeface="Estrangelo Edessa"/>
+        <a:font script="Sora" typeface="Nirmala UI"/>
+        <a:font script="Tale" typeface="Microsoft Tai Le"/>
+        <a:font script="Talu" typeface="Microsoft New Tai Lue"/>
+        <a:font script="Tfng" typeface="Ebrima"/>
+      </a:minorFont>
+    </a:fontScheme>
+    <a:fmtScheme name="Office">
+      <a:fillStyleLst>
+        <a:solidFill>
+          <a:schemeClr val="phClr"/>
+        </a:solidFill>
+        <a:gradFill rotWithShape="1">
+          <a:gsLst>
+            <a:gs pos="0">
+              <a:schemeClr val="phClr">
+                <a:lumMod val="110000"/>
+                <a:satMod val="105000"/>
+                <a:tint val="67000"/>
+              </a:schemeClr>
+            </a:gs>
+            <a:gs pos="50000">
+              <a:schemeClr val="phClr">
+                <a:lumMod val="105000"/>
+                <a:satMod val="103000"/>
+                <a:tint val="73000"/>
+              </a:schemeClr>
+            </a:gs>
+            <a:gs pos="100000">
+              <a:schemeClr val="phClr">
+                <a:lumMod val="105000"/>
+                <a:satMod val="109000"/>
+                <a:tint val="81000"/>
+              </a:schemeClr>
+            </a:gs>
+          </a:gsLst>
+          <a:lin ang="5400000" scaled="0"/>
+        </a:gradFill>
+        <a:gradFill rotWithShape="1">
+          <a:gsLst>
+            <a:gs pos="0">
+              <a:schemeClr val="phClr">
+                <a:satMod val="103000"/>
+                <a:lumMod val="102000"/>
+                <a:tint val="94000"/>
+              </a:schemeClr>
+            </a:gs>
+            <a:gs pos="50000">
+              <a:schemeClr val="phClr">
+                <a:satMod val="110000"/>
+                <a:lumMod val="100000"/>
+                <a:shade val="100000"/>
+              </a:schemeClr>
+            </a:gs>
+            <a:gs pos="100000">
+              <a:schemeClr val="phClr">
+                <a:lumMod val="99000"/>
+                <a:satMod val="120000"/>
+                <a:shade val="78000"/>
+              </a:schemeClr>
+            </a:gs>
+          </a:gsLst>
+          <a:lin ang="5400000" scaled="0"/>
+        </a:gradFill>
+      </a:fillStyleLst>
+      <a:lnStyleLst>
+        <a:ln w="12700" cap="flat" cmpd="sng" algn="ctr">
+          <a:solidFill>
+            <a:schemeClr val="phClr"/>
+          </a:solidFill>
+          <a:prstDash val="solid"/>
+          <a:miter lim="800000"/>
+        </a:ln>
+        <a:ln w="19050" cap="flat" cmpd="sng" algn="ctr">
+          <a:solidFill>
+            <a:schemeClr val="phClr"/>
+          </a:solidFill>
+          <a:prstDash val="solid"/>
+          <a:miter lim="800000"/>
+        </a:ln>
+        <a:ln w="25400" cap="flat" cmpd="sng" algn="ctr">
+          <a:solidFill>
+            <a:schemeClr val="phClr"/>
+          </a:solidFill>
+          <a:prstDash val="solid"/>
+          <a:miter lim="800000"/>
+        </a:ln>
+      </a:lnStyleLst>
+      <a:effectStyleLst>
+        <a:effectStyle>
+          <a:effectLst/>
+        </a:effectStyle>
+        <a:effectStyle>
+          <a:effectLst/>
+        </a:effectStyle>
+        <a:effectStyle>
+          <a:effectLst>
+            <a:outerShdw blurRad="57150" dist="19050" dir="5400000" algn="ctr" rotWithShape="0">
+              <a:srgbClr val="000000">
+                <a:alpha val="63000"/>
+              </a:srgbClr>
+            </a:outerShdw>
+          </a:effectLst>
+        </a:effectStyle>
+      </a:effectStyleLst>
+      <a:bgFillStyleLst>
+        <a:solidFill>
+          <a:schemeClr val="phClr"/>
+        </a:solidFill>
+        <a:solidFill>
+          <a:schemeClr val="phClr">
+            <a:tint val="95000"/>
+            <a:satMod val="170000"/>
+          </a:schemeClr>
+        </a:solidFill>
+        <a:gradFill rotWithShape="1">
+          <a:gsLst>
+            <a:gs pos="0">
+              <a:schemeClr val="phClr">
+                <a:tint val="93000"/>
+                <a:satMod val="150000"/>
+                <a:shade val="98000"/>
+                <a:lumMod val="102000"/>
+              </a:schemeClr>
+            </a:gs>
+            <a:gs pos="50000">
+              <a:schemeClr val="phClr">
+                <a:tint val="98000"/>
+                <a:satMod val="130000"/>
+                <a:shade val="90000"/>
+                <a:lumMod val="103000"/>
+              </a:schemeClr>
+            </a:gs>
+            <a:gs pos="100000">
+              <a:schemeClr val="phClr">
+                <a:shade val="63000"/>
+                <a:satMod val="120000"/>
+              </a:schemeClr>
+            </a:gs>
+          </a:gsLst>
+          <a:lin ang="5400000" scaled="0"/>
+        </a:gradFill>
+      </a:bgFillStyleLst>
+    </a:fmtScheme>
+  </a:themeElements>
+  <a:objectDefaults>
+    <a:lnDef>
+      <a:spPr/>
+      <a:bodyPr/>
+      <a:lstStyle/>
+      <a:style>
+        <a:lnRef idx="2">
+          <a:schemeClr val="accent1"/>
+        </a:lnRef>
+        <a:fillRef idx="0">
+          <a:schemeClr val="accent1"/>
+        </a:fillRef>
+        <a:effectRef idx="1">
+          <a:schemeClr val="accent1"/>
+        </a:effectRef>
+        <a:fontRef idx="minor">
+          <a:schemeClr val="tx1"/>
+        </a:fontRef>
+      </a:style>
+    </a:lnDef>
+  </a:objectDefaults>
+  <a:extraClrSchemeLst/>
+  <a:extLst>
+    <a:ext uri="{05A4C25C-085E-4340-85A3-A5531E510DB2}">
+      <thm15:themeFamily xmlns:thm15="http://schemas.microsoft.com/office/thememl/2012/main" name="Office Theme" id="{2E142A2C-CD16-42D6-873A-C26D2A0506FA}" vid="{1BDDFF52-6CD6-40A5-AB3C-68EB2F1E4D0A}"/>
     </a:ext>
   </a:extLst>
 </a:theme>
